--- a/Swagger/Swagger.pptx
+++ b/Swagger/Swagger.pptx
@@ -6,21 +6,27 @@
     <p:sldMasterId id="2147483686" r:id="rId2"/>
   </p:sldMasterIdLst>
   <p:notesMasterIdLst>
-    <p:notesMasterId r:id="rId15"/>
+    <p:notesMasterId r:id="rId21"/>
   </p:notesMasterIdLst>
   <p:sldIdLst>
-    <p:sldId id="256" r:id="rId3"/>
-    <p:sldId id="257" r:id="rId4"/>
-    <p:sldId id="265" r:id="rId5"/>
-    <p:sldId id="266" r:id="rId6"/>
-    <p:sldId id="269" r:id="rId7"/>
-    <p:sldId id="261" r:id="rId8"/>
-    <p:sldId id="267" r:id="rId9"/>
-    <p:sldId id="273" r:id="rId10"/>
-    <p:sldId id="268" r:id="rId11"/>
-    <p:sldId id="271" r:id="rId12"/>
-    <p:sldId id="272" r:id="rId13"/>
-    <p:sldId id="263" r:id="rId14"/>
+    <p:sldId id="281" r:id="rId3"/>
+    <p:sldId id="256" r:id="rId4"/>
+    <p:sldId id="257" r:id="rId5"/>
+    <p:sldId id="276" r:id="rId6"/>
+    <p:sldId id="279" r:id="rId7"/>
+    <p:sldId id="278" r:id="rId8"/>
+    <p:sldId id="280" r:id="rId9"/>
+    <p:sldId id="266" r:id="rId10"/>
+    <p:sldId id="269" r:id="rId11"/>
+    <p:sldId id="261" r:id="rId12"/>
+    <p:sldId id="267" r:id="rId13"/>
+    <p:sldId id="273" r:id="rId14"/>
+    <p:sldId id="274" r:id="rId15"/>
+    <p:sldId id="275" r:id="rId16"/>
+    <p:sldId id="268" r:id="rId17"/>
+    <p:sldId id="271" r:id="rId18"/>
+    <p:sldId id="272" r:id="rId19"/>
+    <p:sldId id="263" r:id="rId20"/>
   </p:sldIdLst>
   <p:sldSz cx="9144000" cy="6858000" type="screen4x3"/>
   <p:notesSz cx="6858000" cy="9144000"/>
@@ -141,6 +147,97 @@
 </p:presentation>
 </file>
 
+<file path=ppt/changesInfos/changesInfo1.xml><?xml version="1.0" encoding="utf-8"?>
+<pc:chgInfo xmlns:a="http://schemas.openxmlformats.org/drawingml/2006/main" xmlns:r="http://schemas.openxmlformats.org/officeDocument/2006/relationships" xmlns:ac="http://schemas.microsoft.com/office/drawing/2013/main/command" xmlns:pc="http://schemas.microsoft.com/office/powerpoint/2013/main/command">
+  <pc:docChgLst>
+    <pc:chgData name="Tomáš Jurásek" userId="bed34b7082af1b23" providerId="LiveId" clId="{8F8D6B7D-B837-427A-9C1D-E43795F85571}"/>
+    <pc:docChg chg="addSld modSld sldOrd">
+      <pc:chgData name="Tomáš Jurásek" userId="bed34b7082af1b23" providerId="LiveId" clId="{8F8D6B7D-B837-427A-9C1D-E43795F85571}" dt="2017-10-03T14:47:37.205" v="8" actId="1076"/>
+      <pc:docMkLst>
+        <pc:docMk/>
+      </pc:docMkLst>
+      <pc:sldChg chg="addSp modSp">
+        <pc:chgData name="Tomáš Jurásek" userId="bed34b7082af1b23" providerId="LiveId" clId="{8F8D6B7D-B837-427A-9C1D-E43795F85571}" dt="2017-10-03T14:47:08.582" v="3" actId="1076"/>
+        <pc:sldMkLst>
+          <pc:docMk/>
+          <pc:sldMk cId="2520324001" sldId="256"/>
+        </pc:sldMkLst>
+        <pc:picChg chg="add mod">
+          <ac:chgData name="Tomáš Jurásek" userId="bed34b7082af1b23" providerId="LiveId" clId="{8F8D6B7D-B837-427A-9C1D-E43795F85571}" dt="2017-10-03T14:47:08.582" v="3" actId="1076"/>
+          <ac:picMkLst>
+            <pc:docMk/>
+            <pc:sldMk cId="2520324001" sldId="256"/>
+            <ac:picMk id="3" creationId="{A2CC05FB-65F2-459D-B9B7-F176FDB79E19}"/>
+          </ac:picMkLst>
+        </pc:picChg>
+      </pc:sldChg>
+      <pc:sldChg chg="modSp">
+        <pc:chgData name="Tomáš Jurásek" userId="bed34b7082af1b23" providerId="LiveId" clId="{8F8D6B7D-B837-427A-9C1D-E43795F85571}" dt="2017-10-03T13:28:45.696" v="0" actId="20577"/>
+        <pc:sldMkLst>
+          <pc:docMk/>
+          <pc:sldMk cId="2186098111" sldId="274"/>
+        </pc:sldMkLst>
+        <pc:spChg chg="mod">
+          <ac:chgData name="Tomáš Jurásek" userId="bed34b7082af1b23" providerId="LiveId" clId="{8F8D6B7D-B837-427A-9C1D-E43795F85571}" dt="2017-10-03T13:28:45.696" v="0" actId="20577"/>
+          <ac:spMkLst>
+            <pc:docMk/>
+            <pc:sldMk cId="2186098111" sldId="274"/>
+            <ac:spMk id="5" creationId="{00000000-0000-0000-0000-000000000000}"/>
+          </ac:spMkLst>
+        </pc:spChg>
+      </pc:sldChg>
+      <pc:sldChg chg="addSp delSp modSp add ord modTransition">
+        <pc:chgData name="Tomáš Jurásek" userId="bed34b7082af1b23" providerId="LiveId" clId="{8F8D6B7D-B837-427A-9C1D-E43795F85571}" dt="2017-10-03T14:47:37.205" v="8" actId="1076"/>
+        <pc:sldMkLst>
+          <pc:docMk/>
+          <pc:sldMk cId="527728063" sldId="281"/>
+        </pc:sldMkLst>
+        <pc:spChg chg="del">
+          <ac:chgData name="Tomáš Jurásek" userId="bed34b7082af1b23" providerId="LiveId" clId="{8F8D6B7D-B837-427A-9C1D-E43795F85571}" dt="2017-10-03T14:47:35.065" v="6"/>
+          <ac:spMkLst>
+            <pc:docMk/>
+            <pc:sldMk cId="527728063" sldId="281"/>
+            <ac:spMk id="2" creationId="{2B7CA25B-74BD-4FA4-A501-9D9403CB8245}"/>
+          </ac:spMkLst>
+        </pc:spChg>
+        <pc:spChg chg="del">
+          <ac:chgData name="Tomáš Jurásek" userId="bed34b7082af1b23" providerId="LiveId" clId="{8F8D6B7D-B837-427A-9C1D-E43795F85571}" dt="2017-10-03T14:47:35.065" v="6"/>
+          <ac:spMkLst>
+            <pc:docMk/>
+            <pc:sldMk cId="527728063" sldId="281"/>
+            <ac:spMk id="3" creationId="{3EEA9DE4-A061-4D7C-8187-8AA026149FD1}"/>
+          </ac:spMkLst>
+        </pc:spChg>
+        <pc:spChg chg="add mod">
+          <ac:chgData name="Tomáš Jurásek" userId="bed34b7082af1b23" providerId="LiveId" clId="{8F8D6B7D-B837-427A-9C1D-E43795F85571}" dt="2017-10-03T14:47:35.065" v="6"/>
+          <ac:spMkLst>
+            <pc:docMk/>
+            <pc:sldMk cId="527728063" sldId="281"/>
+            <ac:spMk id="4" creationId="{4D0ABE70-D806-4671-968B-A23EDDB11D8D}"/>
+          </ac:spMkLst>
+        </pc:spChg>
+        <pc:spChg chg="add del mod">
+          <ac:chgData name="Tomáš Jurásek" userId="bed34b7082af1b23" providerId="LiveId" clId="{8F8D6B7D-B837-427A-9C1D-E43795F85571}" dt="2017-10-03T14:47:36.033" v="7"/>
+          <ac:spMkLst>
+            <pc:docMk/>
+            <pc:sldMk cId="527728063" sldId="281"/>
+            <ac:spMk id="5" creationId="{0013A04E-DDC1-4CD4-AC09-72267079073E}"/>
+          </ac:spMkLst>
+        </pc:spChg>
+        <pc:picChg chg="add mod">
+          <ac:chgData name="Tomáš Jurásek" userId="bed34b7082af1b23" providerId="LiveId" clId="{8F8D6B7D-B837-427A-9C1D-E43795F85571}" dt="2017-10-03T14:47:37.205" v="8" actId="1076"/>
+          <ac:picMkLst>
+            <pc:docMk/>
+            <pc:sldMk cId="527728063" sldId="281"/>
+            <ac:picMk id="6" creationId="{CB06F5C7-2D82-4503-BCEF-C73E97C1642C}"/>
+          </ac:picMkLst>
+        </pc:picChg>
+      </pc:sldChg>
+    </pc:docChg>
+  </pc:docChgLst>
+</pc:chgInfo>
+</file>
+
 <file path=ppt/notesMasters/notesMaster1.xml><?xml version="1.0" encoding="utf-8"?>
 <p:notesMaster xmlns:a="http://schemas.openxmlformats.org/drawingml/2006/main" xmlns:r="http://schemas.openxmlformats.org/officeDocument/2006/relationships" xmlns:p="http://schemas.openxmlformats.org/presentationml/2006/main">
   <p:cSld>
@@ -223,7 +320,7 @@
           <a:p>
             <a:fld id="{769D9D34-EBDF-444B-8E61-3132A89E4FC2}" type="datetimeFigureOut">
               <a:rPr lang="cs-CZ" smtClean="0"/>
-              <a:t>17.07.2017</a:t>
+              <a:t>03.10.2017</a:t>
             </a:fld>
             <a:endParaRPr lang="cs-CZ"/>
           </a:p>
@@ -988,7 +1085,7 @@
           <a:p>
             <a:fld id="{E7B4EAE2-05D7-4CED-BE1F-5C52B46909EC}" type="datetimeFigureOut">
               <a:rPr lang="cs-CZ" smtClean="0"/>
-              <a:t>17.07.2017</a:t>
+              <a:t>03.10.2017</a:t>
             </a:fld>
             <a:endParaRPr lang="cs-CZ"/>
           </a:p>
@@ -1419,7 +1516,7 @@
           <a:p>
             <a:fld id="{E7B4EAE2-05D7-4CED-BE1F-5C52B46909EC}" type="datetimeFigureOut">
               <a:rPr lang="cs-CZ" smtClean="0"/>
-              <a:t>17.07.2017</a:t>
+              <a:t>03.10.2017</a:t>
             </a:fld>
             <a:endParaRPr lang="cs-CZ"/>
           </a:p>
@@ -1548,7 +1645,7 @@
           <a:p>
             <a:fld id="{E7B4EAE2-05D7-4CED-BE1F-5C52B46909EC}" type="datetimeFigureOut">
               <a:rPr lang="cs-CZ" smtClean="0"/>
-              <a:t>17.07.2017</a:t>
+              <a:t>03.10.2017</a:t>
             </a:fld>
             <a:endParaRPr lang="cs-CZ"/>
           </a:p>
@@ -1655,7 +1752,7 @@
           <a:p>
             <a:fld id="{E7B4EAE2-05D7-4CED-BE1F-5C52B46909EC}" type="datetimeFigureOut">
               <a:rPr lang="cs-CZ" smtClean="0"/>
-              <a:t>17.07.2017</a:t>
+              <a:t>03.10.2017</a:t>
             </a:fld>
             <a:endParaRPr lang="cs-CZ"/>
           </a:p>
@@ -1942,7 +2039,7 @@
           <a:p>
             <a:fld id="{E7B4EAE2-05D7-4CED-BE1F-5C52B46909EC}" type="datetimeFigureOut">
               <a:rPr lang="cs-CZ" smtClean="0"/>
-              <a:t>17.07.2017</a:t>
+              <a:t>03.10.2017</a:t>
             </a:fld>
             <a:endParaRPr lang="cs-CZ"/>
           </a:p>
@@ -2206,7 +2303,7 @@
           <a:p>
             <a:fld id="{E7B4EAE2-05D7-4CED-BE1F-5C52B46909EC}" type="datetimeFigureOut">
               <a:rPr lang="cs-CZ" smtClean="0"/>
-              <a:t>17.07.2017</a:t>
+              <a:t>03.10.2017</a:t>
             </a:fld>
             <a:endParaRPr lang="cs-CZ"/>
           </a:p>
@@ -2386,7 +2483,7 @@
           <a:p>
             <a:fld id="{E7B4EAE2-05D7-4CED-BE1F-5C52B46909EC}" type="datetimeFigureOut">
               <a:rPr lang="cs-CZ" smtClean="0"/>
-              <a:t>17.07.2017</a:t>
+              <a:t>03.10.2017</a:t>
             </a:fld>
             <a:endParaRPr lang="cs-CZ"/>
           </a:p>
@@ -2576,7 +2673,7 @@
           <a:p>
             <a:fld id="{E7B4EAE2-05D7-4CED-BE1F-5C52B46909EC}" type="datetimeFigureOut">
               <a:rPr lang="cs-CZ" smtClean="0"/>
-              <a:t>17.07.2017</a:t>
+              <a:t>03.10.2017</a:t>
             </a:fld>
             <a:endParaRPr lang="cs-CZ"/>
           </a:p>
@@ -3172,7 +3269,7 @@
           <a:p>
             <a:fld id="{E7B4EAE2-05D7-4CED-BE1F-5C52B46909EC}" type="datetimeFigureOut">
               <a:rPr lang="cs-CZ" smtClean="0"/>
-              <a:t>17.07.2017</a:t>
+              <a:t>03.10.2017</a:t>
             </a:fld>
             <a:endParaRPr lang="cs-CZ"/>
           </a:p>
@@ -3429,7 +3526,7 @@
           <a:p>
             <a:fld id="{E7B4EAE2-05D7-4CED-BE1F-5C52B46909EC}" type="datetimeFigureOut">
               <a:rPr lang="cs-CZ" smtClean="0"/>
-              <a:t>17.07.2017</a:t>
+              <a:t>03.10.2017</a:t>
             </a:fld>
             <a:endParaRPr lang="cs-CZ"/>
           </a:p>
@@ -4219,7 +4316,7 @@
           <a:p>
             <a:fld id="{E7B4EAE2-05D7-4CED-BE1F-5C52B46909EC}" type="datetimeFigureOut">
               <a:rPr lang="cs-CZ" smtClean="0"/>
-              <a:t>17.07.2017</a:t>
+              <a:t>03.10.2017</a:t>
             </a:fld>
             <a:endParaRPr lang="cs-CZ"/>
           </a:p>
@@ -4470,7 +4567,7 @@
           <a:p>
             <a:fld id="{E7B4EAE2-05D7-4CED-BE1F-5C52B46909EC}" type="datetimeFigureOut">
               <a:rPr lang="cs-CZ" smtClean="0"/>
-              <a:t>17.07.2017</a:t>
+              <a:t>03.10.2017</a:t>
             </a:fld>
             <a:endParaRPr lang="cs-CZ"/>
           </a:p>
@@ -4699,7 +4796,7 @@
             <a:fld id="{E7B4EAE2-05D7-4CED-BE1F-5C52B46909EC}" type="datetimeFigureOut">
               <a:rPr lang="cs-CZ" smtClean="0"/>
               <a:pPr/>
-              <a:t>17.07.2017</a:t>
+              <a:t>03.10.2017</a:t>
             </a:fld>
             <a:endParaRPr lang="cs-CZ"/>
           </a:p>
@@ -5335,7 +5432,7 @@
             <a:fld id="{E7B4EAE2-05D7-4CED-BE1F-5C52B46909EC}" type="datetimeFigureOut">
               <a:rPr lang="cs-CZ" smtClean="0"/>
               <a:pPr/>
-              <a:t>17.07.2017</a:t>
+              <a:t>03.10.2017</a:t>
             </a:fld>
             <a:endParaRPr lang="cs-CZ"/>
           </a:p>
@@ -5841,7 +5938,13 @@
       </p:grpSpPr>
       <p:sp>
         <p:nvSpPr>
-          <p:cNvPr id="4" name="Title 3"/>
+          <p:cNvPr id="4" name="Nadpis 3">
+            <a:extLst>
+              <a:ext uri="{FF2B5EF4-FFF2-40B4-BE49-F238E27FC236}">
+                <a16:creationId xmlns:a16="http://schemas.microsoft.com/office/drawing/2014/main" id="{4D0ABE70-D806-4671-968B-A23EDDB11D8D}"/>
+              </a:ext>
+            </a:extLst>
+          </p:cNvPr>
           <p:cNvSpPr>
             <a:spLocks noGrp="1"/>
           </p:cNvSpPr>
@@ -5854,106 +5957,52 @@
           <a:bodyPr/>
           <a:lstStyle/>
           <a:p>
-            <a:r>
-              <a:rPr lang="cs-CZ" dirty="0"/>
-              <a:t>Úvod do frameworku </a:t>
-            </a:r>
-            <a:r>
-              <a:rPr lang="cs-CZ" dirty="0" err="1"/>
-              <a:t>Swagger</a:t>
-            </a:r>
-            <a:endParaRPr lang="cs-CZ" dirty="0"/>
-          </a:p>
-        </p:txBody>
-      </p:sp>
-      <p:sp>
-        <p:nvSpPr>
-          <p:cNvPr id="5" name="Content Placeholder 4"/>
-          <p:cNvSpPr>
-            <a:spLocks noGrp="1"/>
-          </p:cNvSpPr>
-          <p:nvPr>
-            <p:ph sz="quarter" idx="10"/>
-          </p:nvPr>
-        </p:nvSpPr>
-        <p:spPr/>
-        <p:txBody>
-          <a:bodyPr/>
-          <a:lstStyle/>
-          <a:p>
-            <a:pPr lvl="0">
-              <a:lnSpc>
-                <a:spcPct val="90000"/>
-              </a:lnSpc>
-              <a:defRPr/>
-            </a:pPr>
-            <a:r>
-              <a:rPr lang="cs-CZ" sz="2800" b="1" dirty="0">
-                <a:solidFill>
-                  <a:prstClr val="black"/>
-                </a:solidFill>
-                <a:latin typeface="Segoe UI Semilight"/>
-                <a:cs typeface="+mn-cs"/>
-              </a:rPr>
-              <a:t>Tomáš Jurásek</a:t>
-            </a:r>
-          </a:p>
-          <a:p>
-            <a:pPr lvl="0">
-              <a:defRPr/>
-            </a:pPr>
-            <a:r>
-              <a:rPr lang="cs-CZ" sz="1800" i="1" dirty="0">
-                <a:solidFill>
-                  <a:prstClr val="black"/>
-                </a:solidFill>
-                <a:latin typeface="Segoe UI Semilight"/>
-                <a:cs typeface="+mn-cs"/>
-              </a:rPr>
-              <a:t>.NET Developer</a:t>
-            </a:r>
-          </a:p>
-          <a:p>
-            <a:pPr lvl="0">
-              <a:defRPr/>
-            </a:pPr>
-            <a:r>
-              <a:rPr lang="cs-CZ" sz="1800" dirty="0">
-                <a:solidFill>
-                  <a:prstClr val="black"/>
-                </a:solidFill>
-                <a:latin typeface="Segoe UI Semilight"/>
-                <a:cs typeface="+mn-cs"/>
-                <a:hlinkClick r:id="rId2"/>
-              </a:rPr>
-              <a:t>tomas.jurasek@riganti.cz</a:t>
-            </a:r>
-            <a:endParaRPr lang="cs-CZ" sz="1800" dirty="0">
-              <a:solidFill>
-                <a:prstClr val="black"/>
-              </a:solidFill>
-              <a:latin typeface="Segoe UI Semilight"/>
-              <a:cs typeface="+mn-cs"/>
-            </a:endParaRPr>
-          </a:p>
-          <a:p>
-            <a:pPr lvl="0">
-              <a:defRPr/>
-            </a:pPr>
-            <a:endParaRPr lang="cs-CZ" sz="1800" dirty="0">
-              <a:solidFill>
-                <a:prstClr val="black"/>
-              </a:solidFill>
-              <a:latin typeface="Segoe UI Semilight"/>
-              <a:cs typeface="+mn-cs"/>
-            </a:endParaRPr>
-          </a:p>
-        </p:txBody>
-      </p:sp>
+            <a:endParaRPr lang="cs-CZ"/>
+          </a:p>
+        </p:txBody>
+      </p:sp>
+      <p:pic>
+        <p:nvPicPr>
+          <p:cNvPr id="6" name="Zástupný symbol pro obsah 5">
+            <a:extLst>
+              <a:ext uri="{FF2B5EF4-FFF2-40B4-BE49-F238E27FC236}">
+                <a16:creationId xmlns:a16="http://schemas.microsoft.com/office/drawing/2014/main" id="{CB06F5C7-2D82-4503-BCEF-C73E97C1642C}"/>
+              </a:ext>
+            </a:extLst>
+          </p:cNvPr>
+          <p:cNvPicPr>
+            <a:picLocks noGrp="1" noChangeAspect="1"/>
+          </p:cNvPicPr>
+          <p:nvPr>
+            <p:ph idx="1"/>
+          </p:nvPr>
+        </p:nvPicPr>
+        <p:blipFill>
+          <a:blip r:embed="rId2">
+            <a:extLst>
+              <a:ext uri="{28A0092B-C50C-407E-A947-70E740481C1C}">
+                <a14:useLocalDpi xmlns:a14="http://schemas.microsoft.com/office/drawing/2010/main" val="0"/>
+              </a:ext>
+            </a:extLst>
+          </a:blip>
+          <a:stretch>
+            <a:fillRect/>
+          </a:stretch>
+        </p:blipFill>
+        <p:spPr>
+          <a:xfrm>
+            <a:off x="323528" y="846139"/>
+            <a:ext cx="8229600" cy="4320540"/>
+          </a:xfrm>
+          <a:prstGeom prst="rect">
+            <a:avLst/>
+          </a:prstGeom>
+        </p:spPr>
+      </p:pic>
     </p:spTree>
     <p:extLst>
       <p:ext uri="{BB962C8B-B14F-4D97-AF65-F5344CB8AC3E}">
-        <p14:creationId xmlns:p14="http://schemas.microsoft.com/office/powerpoint/2010/main" val="2520324001"/>
+        <p14:creationId xmlns:p14="http://schemas.microsoft.com/office/powerpoint/2010/main" val="527728063"/>
       </p:ext>
     </p:extLst>
   </p:cSld>
@@ -5962,10 +6011,14 @@
   </p:clrMapOvr>
   <mc:AlternateContent xmlns:mc="http://schemas.openxmlformats.org/markup-compatibility/2006" xmlns:p14="http://schemas.microsoft.com/office/powerpoint/2010/main">
     <mc:Choice Requires="p14">
-      <p:transition p14:dur="0"/>
+      <p:transition spd="slow" p14:dur="1600">
+        <p14:prism isInverted="1"/>
+      </p:transition>
     </mc:Choice>
     <mc:Fallback xmlns="">
-      <p:transition/>
+      <p:transition spd="slow">
+        <p:fade/>
+      </p:transition>
     </mc:Fallback>
   </mc:AlternateContent>
 </p:sld>
@@ -6007,7 +6060,7 @@
           <a:p>
             <a:r>
               <a:rPr lang="cs-CZ" dirty="0"/>
-              <a:t>Generování - Demo</a:t>
+              <a:t>Konfigurace</a:t>
             </a:r>
           </a:p>
         </p:txBody>
@@ -6015,7 +6068,7 @@
     </p:spTree>
     <p:extLst>
       <p:ext uri="{BB962C8B-B14F-4D97-AF65-F5344CB8AC3E}">
-        <p14:creationId xmlns:p14="http://schemas.microsoft.com/office/powerpoint/2010/main" val="3364419924"/>
+        <p14:creationId xmlns:p14="http://schemas.microsoft.com/office/powerpoint/2010/main" val="3863274729"/>
       </p:ext>
     </p:extLst>
   </p:cSld>
@@ -6071,6 +6124,861 @@
           <a:p>
             <a:r>
               <a:rPr lang="cs-CZ" dirty="0"/>
+              <a:t>Atributy</a:t>
+            </a:r>
+          </a:p>
+        </p:txBody>
+      </p:sp>
+      <p:sp>
+        <p:nvSpPr>
+          <p:cNvPr id="5" name="Content Placeholder 4"/>
+          <p:cNvSpPr>
+            <a:spLocks noGrp="1"/>
+          </p:cNvSpPr>
+          <p:nvPr>
+            <p:ph idx="1"/>
+          </p:nvPr>
+        </p:nvSpPr>
+        <p:spPr/>
+        <p:txBody>
+          <a:bodyPr>
+            <a:normAutofit/>
+          </a:bodyPr>
+          <a:lstStyle/>
+          <a:p>
+            <a:r>
+              <a:rPr lang="cs-CZ" sz="2800" dirty="0" err="1"/>
+              <a:t>Swagger</a:t>
+            </a:r>
+            <a:r>
+              <a:rPr lang="cs-CZ" sz="2800" dirty="0"/>
+              <a:t> </a:t>
+            </a:r>
+            <a:r>
+              <a:rPr lang="cs-CZ" sz="2800" dirty="0" err="1"/>
+              <a:t>Attributy</a:t>
+            </a:r>
+            <a:endParaRPr lang="cs-CZ" sz="2800" dirty="0"/>
+          </a:p>
+          <a:p>
+            <a:pPr marL="457200" lvl="1" indent="0">
+              <a:buNone/>
+            </a:pPr>
+            <a:r>
+              <a:rPr lang="cs-CZ" sz="2400" dirty="0"/>
+              <a:t> [</a:t>
+            </a:r>
+            <a:r>
+              <a:rPr lang="cs-CZ" sz="2400" dirty="0" err="1"/>
+              <a:t>SwaggerResponse</a:t>
+            </a:r>
+            <a:r>
+              <a:rPr lang="cs-CZ" sz="2400" dirty="0"/>
+              <a:t>(</a:t>
+            </a:r>
+            <a:r>
+              <a:rPr lang="cs-CZ" sz="2400" dirty="0" err="1"/>
+              <a:t>int</a:t>
+            </a:r>
+            <a:r>
+              <a:rPr lang="cs-CZ" sz="2400" dirty="0"/>
+              <a:t> </a:t>
+            </a:r>
+            <a:r>
+              <a:rPr lang="cs-CZ" sz="2400" dirty="0" err="1"/>
+              <a:t>statusCode</a:t>
+            </a:r>
+            <a:r>
+              <a:rPr lang="cs-CZ" sz="2400" dirty="0"/>
+              <a:t>, Type type))]</a:t>
+            </a:r>
+          </a:p>
+          <a:p>
+            <a:pPr marL="457200" lvl="1" indent="0">
+              <a:buNone/>
+            </a:pPr>
+            <a:r>
+              <a:rPr lang="cs-CZ" sz="2400" dirty="0"/>
+              <a:t> [</a:t>
+            </a:r>
+            <a:r>
+              <a:rPr lang="cs-CZ" sz="2400" dirty="0" err="1"/>
+              <a:t>SwaggerOperation</a:t>
+            </a:r>
+            <a:r>
+              <a:rPr lang="cs-CZ" sz="2400" dirty="0"/>
+              <a:t>(</a:t>
+            </a:r>
+            <a:r>
+              <a:rPr lang="cs-CZ" sz="2400" dirty="0" err="1"/>
+              <a:t>string</a:t>
+            </a:r>
+            <a:r>
+              <a:rPr lang="cs-CZ" sz="2400" dirty="0"/>
+              <a:t> </a:t>
+            </a:r>
+            <a:r>
+              <a:rPr lang="cs-CZ" sz="2400" dirty="0" err="1"/>
+              <a:t>operationName</a:t>
+            </a:r>
+            <a:r>
+              <a:rPr lang="cs-CZ" sz="2400" dirty="0"/>
+              <a:t>)]</a:t>
+            </a:r>
+          </a:p>
+          <a:p>
+            <a:pPr lvl="1"/>
+            <a:endParaRPr lang="cs-CZ" sz="2400" dirty="0"/>
+          </a:p>
+          <a:p>
+            <a:pPr lvl="1"/>
+            <a:endParaRPr lang="cs-CZ" sz="2400" dirty="0"/>
+          </a:p>
+          <a:p>
+            <a:pPr marL="457200" lvl="1" indent="0">
+              <a:buNone/>
+            </a:pPr>
+            <a:endParaRPr lang="cs-CZ" sz="2400" dirty="0"/>
+          </a:p>
+          <a:p>
+            <a:pPr marL="457200" lvl="1" indent="0">
+              <a:buNone/>
+            </a:pPr>
+            <a:r>
+              <a:rPr lang="cs-CZ" sz="2400" dirty="0"/>
+              <a:t>[</a:t>
+            </a:r>
+            <a:r>
+              <a:rPr lang="cs-CZ" sz="2400" dirty="0" err="1"/>
+              <a:t>ApiExplorerSettings</a:t>
+            </a:r>
+            <a:r>
+              <a:rPr lang="cs-CZ" sz="2400" dirty="0"/>
+              <a:t>(</a:t>
+            </a:r>
+            <a:r>
+              <a:rPr lang="cs-CZ" sz="2400" dirty="0" err="1"/>
+              <a:t>GroupName</a:t>
+            </a:r>
+            <a:r>
+              <a:rPr lang="cs-CZ" sz="2400" dirty="0"/>
+              <a:t> = „</a:t>
+            </a:r>
+            <a:r>
+              <a:rPr lang="cs-CZ" sz="2400" dirty="0" err="1"/>
+              <a:t>version</a:t>
+            </a:r>
+            <a:r>
+              <a:rPr lang="cs-CZ" sz="2400" dirty="0"/>
+              <a:t>")]</a:t>
+            </a:r>
+          </a:p>
+          <a:p>
+            <a:pPr marL="457200" lvl="1" indent="0">
+              <a:buNone/>
+            </a:pPr>
+            <a:r>
+              <a:rPr lang="en-US" sz="2400" dirty="0"/>
+              <a:t>[</a:t>
+            </a:r>
+            <a:r>
+              <a:rPr lang="en-US" sz="2400" dirty="0" err="1"/>
+              <a:t>ProducesResponseType</a:t>
+            </a:r>
+            <a:r>
+              <a:rPr lang="en-US" sz="2400" dirty="0"/>
+              <a:t>(</a:t>
+            </a:r>
+            <a:r>
+              <a:rPr lang="cs-CZ" sz="2400" dirty="0"/>
+              <a:t>Type </a:t>
+            </a:r>
+            <a:r>
+              <a:rPr lang="cs-CZ" sz="2400" dirty="0" err="1"/>
+              <a:t>type</a:t>
+            </a:r>
+            <a:r>
+              <a:rPr lang="en-US" sz="2400" dirty="0"/>
+              <a:t>, </a:t>
+            </a:r>
+            <a:r>
+              <a:rPr lang="cs-CZ" sz="2400" dirty="0" err="1"/>
+              <a:t>int</a:t>
+            </a:r>
+            <a:r>
+              <a:rPr lang="cs-CZ" sz="2400" dirty="0"/>
+              <a:t> </a:t>
+            </a:r>
+            <a:r>
+              <a:rPr lang="cs-CZ" sz="2400" dirty="0" err="1"/>
+              <a:t>statusCode</a:t>
+            </a:r>
+            <a:r>
+              <a:rPr lang="en-US" sz="2400" dirty="0"/>
+              <a:t>)]</a:t>
+            </a:r>
+            <a:endParaRPr lang="cs-CZ" sz="2400" dirty="0"/>
+          </a:p>
+        </p:txBody>
+      </p:sp>
+    </p:spTree>
+    <p:extLst>
+      <p:ext uri="{BB962C8B-B14F-4D97-AF65-F5344CB8AC3E}">
+        <p14:creationId xmlns:p14="http://schemas.microsoft.com/office/powerpoint/2010/main" val="3157864804"/>
+      </p:ext>
+    </p:extLst>
+  </p:cSld>
+  <p:clrMapOvr>
+    <a:masterClrMapping/>
+  </p:clrMapOvr>
+  <mc:AlternateContent xmlns:mc="http://schemas.openxmlformats.org/markup-compatibility/2006" xmlns:p14="http://schemas.microsoft.com/office/powerpoint/2010/main">
+    <mc:Choice Requires="p14">
+      <p:transition spd="slow" p14:dur="1600">
+        <p14:prism isInverted="1"/>
+      </p:transition>
+    </mc:Choice>
+    <mc:Fallback xmlns="">
+      <p:transition spd="slow">
+        <p:fade/>
+      </p:transition>
+    </mc:Fallback>
+  </mc:AlternateContent>
+</p:sld>
+</file>
+
+<file path=ppt/slides/slide12.xml><?xml version="1.0" encoding="utf-8"?>
+<p:sld xmlns:a="http://schemas.openxmlformats.org/drawingml/2006/main" xmlns:r="http://schemas.openxmlformats.org/officeDocument/2006/relationships" xmlns:p="http://schemas.openxmlformats.org/presentationml/2006/main">
+  <p:cSld>
+    <p:spTree>
+      <p:nvGrpSpPr>
+        <p:cNvPr id="1" name=""/>
+        <p:cNvGrpSpPr/>
+        <p:nvPr/>
+      </p:nvGrpSpPr>
+      <p:grpSpPr>
+        <a:xfrm>
+          <a:off x="0" y="0"/>
+          <a:ext cx="0" cy="0"/>
+          <a:chOff x="0" y="0"/>
+          <a:chExt cx="0" cy="0"/>
+        </a:xfrm>
+      </p:grpSpPr>
+      <p:sp>
+        <p:nvSpPr>
+          <p:cNvPr id="4" name="Title 3"/>
+          <p:cNvSpPr>
+            <a:spLocks noGrp="1"/>
+          </p:cNvSpPr>
+          <p:nvPr>
+            <p:ph type="title"/>
+          </p:nvPr>
+        </p:nvSpPr>
+        <p:spPr/>
+        <p:txBody>
+          <a:bodyPr>
+            <a:normAutofit/>
+          </a:bodyPr>
+          <a:lstStyle/>
+          <a:p>
+            <a:r>
+              <a:rPr lang="cs-CZ" dirty="0"/>
+              <a:t>Atributy</a:t>
+            </a:r>
+          </a:p>
+        </p:txBody>
+      </p:sp>
+    </p:spTree>
+    <p:extLst>
+      <p:ext uri="{BB962C8B-B14F-4D97-AF65-F5344CB8AC3E}">
+        <p14:creationId xmlns:p14="http://schemas.microsoft.com/office/powerpoint/2010/main" val="3694472103"/>
+      </p:ext>
+    </p:extLst>
+  </p:cSld>
+  <p:clrMapOvr>
+    <a:masterClrMapping/>
+  </p:clrMapOvr>
+  <mc:AlternateContent xmlns:mc="http://schemas.openxmlformats.org/markup-compatibility/2006" xmlns:p14="http://schemas.microsoft.com/office/powerpoint/2010/main">
+    <mc:Choice Requires="p14">
+      <p:transition spd="slow" p14:dur="1600">
+        <p14:prism isInverted="1"/>
+      </p:transition>
+    </mc:Choice>
+    <mc:Fallback xmlns="">
+      <p:transition spd="slow">
+        <p:fade/>
+      </p:transition>
+    </mc:Fallback>
+  </mc:AlternateContent>
+</p:sld>
+</file>
+
+<file path=ppt/slides/slide13.xml><?xml version="1.0" encoding="utf-8"?>
+<p:sld xmlns:a="http://schemas.openxmlformats.org/drawingml/2006/main" xmlns:r="http://schemas.openxmlformats.org/officeDocument/2006/relationships" xmlns:p="http://schemas.openxmlformats.org/presentationml/2006/main">
+  <p:cSld>
+    <p:spTree>
+      <p:nvGrpSpPr>
+        <p:cNvPr id="1" name=""/>
+        <p:cNvGrpSpPr/>
+        <p:nvPr/>
+      </p:nvGrpSpPr>
+      <p:grpSpPr>
+        <a:xfrm>
+          <a:off x="0" y="0"/>
+          <a:ext cx="0" cy="0"/>
+          <a:chOff x="0" y="0"/>
+          <a:chExt cx="0" cy="0"/>
+        </a:xfrm>
+      </p:grpSpPr>
+      <p:sp>
+        <p:nvSpPr>
+          <p:cNvPr id="4" name="Title 3"/>
+          <p:cNvSpPr>
+            <a:spLocks noGrp="1"/>
+          </p:cNvSpPr>
+          <p:nvPr>
+            <p:ph type="title"/>
+          </p:nvPr>
+        </p:nvSpPr>
+        <p:spPr/>
+        <p:txBody>
+          <a:bodyPr/>
+          <a:lstStyle/>
+          <a:p>
+            <a:r>
+              <a:rPr lang="cs-CZ" dirty="0"/>
+              <a:t>Filtry</a:t>
+            </a:r>
+          </a:p>
+        </p:txBody>
+      </p:sp>
+      <p:sp>
+        <p:nvSpPr>
+          <p:cNvPr id="5" name="Content Placeholder 4"/>
+          <p:cNvSpPr>
+            <a:spLocks noGrp="1"/>
+          </p:cNvSpPr>
+          <p:nvPr>
+            <p:ph idx="1"/>
+          </p:nvPr>
+        </p:nvSpPr>
+        <p:spPr/>
+        <p:txBody>
+          <a:bodyPr>
+            <a:normAutofit/>
+          </a:bodyPr>
+          <a:lstStyle/>
+          <a:p>
+            <a:r>
+              <a:rPr lang="cs-CZ" sz="2400" dirty="0"/>
+              <a:t>Možnost více ovlivnit výslednou specifikaci</a:t>
+            </a:r>
+          </a:p>
+          <a:p>
+            <a:pPr lvl="1"/>
+            <a:r>
+              <a:rPr lang="cs-CZ" sz="2000" dirty="0" err="1"/>
+              <a:t>IDocumentFilter</a:t>
+            </a:r>
+            <a:endParaRPr lang="cs-CZ" sz="2000" dirty="0"/>
+          </a:p>
+          <a:p>
+            <a:pPr lvl="1"/>
+            <a:r>
+              <a:rPr lang="cs-CZ" sz="2000" dirty="0" err="1"/>
+              <a:t>IOperationFilter</a:t>
+            </a:r>
+            <a:r>
+              <a:rPr lang="cs-CZ" sz="2000" dirty="0"/>
+              <a:t> </a:t>
+            </a:r>
+          </a:p>
+          <a:p>
+            <a:pPr lvl="1"/>
+            <a:r>
+              <a:rPr lang="cs-CZ" sz="2000" dirty="0" err="1"/>
+              <a:t>ISchemaFilter</a:t>
+            </a:r>
+            <a:endParaRPr lang="cs-CZ" sz="2000" dirty="0"/>
+          </a:p>
+          <a:p>
+            <a:pPr marL="0" indent="0">
+              <a:buNone/>
+            </a:pPr>
+            <a:r>
+              <a:rPr lang="cs-CZ" sz="2400" dirty="0"/>
+              <a:t>    </a:t>
+            </a:r>
+          </a:p>
+          <a:p>
+            <a:pPr marL="0" indent="0">
+              <a:buNone/>
+            </a:pPr>
+            <a:endParaRPr lang="cs-CZ" sz="2400" dirty="0"/>
+          </a:p>
+        </p:txBody>
+      </p:sp>
+    </p:spTree>
+    <p:extLst>
+      <p:ext uri="{BB962C8B-B14F-4D97-AF65-F5344CB8AC3E}">
+        <p14:creationId xmlns:p14="http://schemas.microsoft.com/office/powerpoint/2010/main" val="2186098111"/>
+      </p:ext>
+    </p:extLst>
+  </p:cSld>
+  <p:clrMapOvr>
+    <a:masterClrMapping/>
+  </p:clrMapOvr>
+  <mc:AlternateContent xmlns:mc="http://schemas.openxmlformats.org/markup-compatibility/2006" xmlns:p14="http://schemas.microsoft.com/office/powerpoint/2010/main">
+    <mc:Choice Requires="p14">
+      <p:transition spd="slow" p14:dur="1600">
+        <p14:prism isInverted="1"/>
+      </p:transition>
+    </mc:Choice>
+    <mc:Fallback xmlns="">
+      <p:transition spd="slow">
+        <p:fade/>
+      </p:transition>
+    </mc:Fallback>
+  </mc:AlternateContent>
+</p:sld>
+</file>
+
+<file path=ppt/slides/slide14.xml><?xml version="1.0" encoding="utf-8"?>
+<p:sld xmlns:a="http://schemas.openxmlformats.org/drawingml/2006/main" xmlns:r="http://schemas.openxmlformats.org/officeDocument/2006/relationships" xmlns:p="http://schemas.openxmlformats.org/presentationml/2006/main">
+  <p:cSld>
+    <p:spTree>
+      <p:nvGrpSpPr>
+        <p:cNvPr id="1" name=""/>
+        <p:cNvGrpSpPr/>
+        <p:nvPr/>
+      </p:nvGrpSpPr>
+      <p:grpSpPr>
+        <a:xfrm>
+          <a:off x="0" y="0"/>
+          <a:ext cx="0" cy="0"/>
+          <a:chOff x="0" y="0"/>
+          <a:chExt cx="0" cy="0"/>
+        </a:xfrm>
+      </p:grpSpPr>
+      <p:sp>
+        <p:nvSpPr>
+          <p:cNvPr id="2" name="Nadpis 1">
+            <a:extLst>
+              <a:ext uri="{FF2B5EF4-FFF2-40B4-BE49-F238E27FC236}">
+                <a16:creationId xmlns:a16="http://schemas.microsoft.com/office/drawing/2014/main" id="{7CD7869A-69D7-4CEA-A023-2051918D3FF5}"/>
+              </a:ext>
+            </a:extLst>
+          </p:cNvPr>
+          <p:cNvSpPr>
+            <a:spLocks noGrp="1"/>
+          </p:cNvSpPr>
+          <p:nvPr>
+            <p:ph type="title"/>
+          </p:nvPr>
+        </p:nvSpPr>
+        <p:spPr/>
+        <p:txBody>
+          <a:bodyPr/>
+          <a:lstStyle/>
+          <a:p>
+            <a:r>
+              <a:rPr lang="cs-CZ" dirty="0"/>
+              <a:t>Filtry</a:t>
+            </a:r>
+          </a:p>
+        </p:txBody>
+      </p:sp>
+    </p:spTree>
+    <p:extLst>
+      <p:ext uri="{BB962C8B-B14F-4D97-AF65-F5344CB8AC3E}">
+        <p14:creationId xmlns:p14="http://schemas.microsoft.com/office/powerpoint/2010/main" val="3228981332"/>
+      </p:ext>
+    </p:extLst>
+  </p:cSld>
+  <p:clrMapOvr>
+    <a:masterClrMapping/>
+  </p:clrMapOvr>
+  <mc:AlternateContent xmlns:mc="http://schemas.openxmlformats.org/markup-compatibility/2006" xmlns:p14="http://schemas.microsoft.com/office/powerpoint/2010/main">
+    <mc:Choice Requires="p14">
+      <p:transition spd="slow" p14:dur="1600">
+        <p14:prism isInverted="1"/>
+      </p:transition>
+    </mc:Choice>
+    <mc:Fallback xmlns="">
+      <p:transition spd="slow">
+        <p:fade/>
+      </p:transition>
+    </mc:Fallback>
+  </mc:AlternateContent>
+</p:sld>
+</file>
+
+<file path=ppt/slides/slide15.xml><?xml version="1.0" encoding="utf-8"?>
+<p:sld xmlns:a="http://schemas.openxmlformats.org/drawingml/2006/main" xmlns:r="http://schemas.openxmlformats.org/officeDocument/2006/relationships" xmlns:p="http://schemas.openxmlformats.org/presentationml/2006/main">
+  <p:cSld>
+    <p:spTree>
+      <p:nvGrpSpPr>
+        <p:cNvPr id="1" name=""/>
+        <p:cNvGrpSpPr/>
+        <p:nvPr/>
+      </p:nvGrpSpPr>
+      <p:grpSpPr>
+        <a:xfrm>
+          <a:off x="0" y="0"/>
+          <a:ext cx="0" cy="0"/>
+          <a:chOff x="0" y="0"/>
+          <a:chExt cx="0" cy="0"/>
+        </a:xfrm>
+      </p:grpSpPr>
+      <p:sp>
+        <p:nvSpPr>
+          <p:cNvPr id="4" name="Title 3"/>
+          <p:cNvSpPr>
+            <a:spLocks noGrp="1"/>
+          </p:cNvSpPr>
+          <p:nvPr>
+            <p:ph type="title"/>
+          </p:nvPr>
+        </p:nvSpPr>
+        <p:spPr/>
+        <p:txBody>
+          <a:bodyPr/>
+          <a:lstStyle/>
+          <a:p>
+            <a:r>
+              <a:rPr lang="cs-CZ" dirty="0"/>
+              <a:t>Generování</a:t>
+            </a:r>
+          </a:p>
+        </p:txBody>
+      </p:sp>
+      <p:sp>
+        <p:nvSpPr>
+          <p:cNvPr id="5" name="Content Placeholder 4"/>
+          <p:cNvSpPr>
+            <a:spLocks noGrp="1"/>
+          </p:cNvSpPr>
+          <p:nvPr>
+            <p:ph idx="1"/>
+          </p:nvPr>
+        </p:nvSpPr>
+        <p:spPr/>
+        <p:txBody>
+          <a:bodyPr>
+            <a:normAutofit/>
+          </a:bodyPr>
+          <a:lstStyle/>
+          <a:p>
+            <a:pPr marL="914400" lvl="1" indent="-457200">
+              <a:buFont typeface="+mj-lt"/>
+              <a:buAutoNum type="arabicPeriod"/>
+            </a:pPr>
+            <a:r>
+              <a:rPr lang="cs-CZ" sz="2400" dirty="0" err="1"/>
+              <a:t>NSwagStudio</a:t>
+            </a:r>
+            <a:endParaRPr lang="cs-CZ" sz="2400" dirty="0"/>
+          </a:p>
+          <a:p>
+            <a:pPr marL="914400" lvl="1" indent="-457200">
+              <a:buFont typeface="+mj-lt"/>
+              <a:buAutoNum type="arabicPeriod"/>
+            </a:pPr>
+            <a:r>
+              <a:rPr lang="cs-CZ" sz="2400" dirty="0"/>
+              <a:t>Online (</a:t>
+            </a:r>
+            <a:r>
+              <a:rPr lang="cs-CZ" sz="2400" dirty="0">
+                <a:hlinkClick r:id="rId2"/>
+              </a:rPr>
+              <a:t>https://generator.swagger.io/</a:t>
+            </a:r>
+            <a:r>
+              <a:rPr lang="cs-CZ" sz="2400" dirty="0"/>
+              <a:t>)</a:t>
+            </a:r>
+          </a:p>
+          <a:p>
+            <a:pPr marL="800100" lvl="2" indent="0">
+              <a:buNone/>
+            </a:pPr>
+            <a:r>
+              <a:rPr lang="cs-CZ" sz="1200" dirty="0"/>
+              <a:t> </a:t>
+            </a:r>
+            <a:r>
+              <a:rPr lang="en-US" sz="1200" dirty="0"/>
+              <a:t>{</a:t>
+            </a:r>
+          </a:p>
+          <a:p>
+            <a:pPr marL="800100" lvl="2" indent="0">
+              <a:buNone/>
+            </a:pPr>
+            <a:r>
+              <a:rPr lang="en-US" sz="1200" dirty="0"/>
+              <a:t>  </a:t>
+            </a:r>
+            <a:r>
+              <a:rPr lang="cs-CZ" sz="1200" dirty="0"/>
+              <a:t>  </a:t>
+            </a:r>
+            <a:r>
+              <a:rPr lang="en-US" sz="1200" dirty="0"/>
+              <a:t>"options": {</a:t>
+            </a:r>
+          </a:p>
+          <a:p>
+            <a:pPr marL="800100" lvl="2" indent="0">
+              <a:buNone/>
+            </a:pPr>
+            <a:r>
+              <a:rPr lang="en-US" sz="1200" dirty="0"/>
+              <a:t>   </a:t>
+            </a:r>
+            <a:r>
+              <a:rPr lang="cs-CZ" sz="1200" dirty="0"/>
+              <a:t> </a:t>
+            </a:r>
+            <a:r>
+              <a:rPr lang="en-US" sz="1200" dirty="0"/>
+              <a:t> </a:t>
+            </a:r>
+            <a:r>
+              <a:rPr lang="cs-CZ" sz="1200" dirty="0"/>
+              <a:t> </a:t>
+            </a:r>
+            <a:r>
+              <a:rPr lang="en-US" sz="1200" dirty="0"/>
+              <a:t>"</a:t>
+            </a:r>
+            <a:r>
+              <a:rPr lang="en-US" sz="1200" dirty="0" err="1"/>
+              <a:t>packageName</a:t>
+            </a:r>
+            <a:r>
+              <a:rPr lang="en-US" sz="1200" dirty="0"/>
+              <a:t>": „</a:t>
+            </a:r>
+            <a:r>
+              <a:rPr lang="cs-CZ" sz="1200" dirty="0" err="1"/>
+              <a:t>LibraryName</a:t>
+            </a:r>
+            <a:r>
+              <a:rPr lang="en-US" sz="1200" dirty="0"/>
+              <a:t>"</a:t>
+            </a:r>
+          </a:p>
+          <a:p>
+            <a:pPr marL="800100" lvl="2" indent="0">
+              <a:buNone/>
+            </a:pPr>
+            <a:r>
+              <a:rPr lang="en-US" sz="1200" dirty="0"/>
+              <a:t>  </a:t>
+            </a:r>
+            <a:r>
+              <a:rPr lang="cs-CZ" sz="1200" dirty="0"/>
+              <a:t>  </a:t>
+            </a:r>
+            <a:r>
+              <a:rPr lang="en-US" sz="1200" dirty="0"/>
+              <a:t>},</a:t>
+            </a:r>
+          </a:p>
+          <a:p>
+            <a:pPr marL="800100" lvl="2" indent="0">
+              <a:buNone/>
+            </a:pPr>
+            <a:r>
+              <a:rPr lang="en-US" sz="1200" dirty="0"/>
+              <a:t>  </a:t>
+            </a:r>
+            <a:r>
+              <a:rPr lang="cs-CZ" sz="1200" dirty="0"/>
+              <a:t>  </a:t>
+            </a:r>
+            <a:r>
+              <a:rPr lang="en-US" sz="1200" dirty="0"/>
+              <a:t>"</a:t>
+            </a:r>
+            <a:r>
+              <a:rPr lang="en-US" sz="1200" dirty="0" err="1"/>
+              <a:t>swaggerUrl</a:t>
+            </a:r>
+            <a:r>
+              <a:rPr lang="en-US" sz="1200" dirty="0"/>
+              <a:t>": „</a:t>
+            </a:r>
+            <a:r>
+              <a:rPr lang="cs-CZ" sz="1200" dirty="0"/>
+              <a:t>URL ke </a:t>
+            </a:r>
+            <a:r>
+              <a:rPr lang="cs-CZ" sz="1200" dirty="0" err="1"/>
+              <a:t>swagger</a:t>
+            </a:r>
+            <a:r>
+              <a:rPr lang="cs-CZ" sz="1200" dirty="0"/>
+              <a:t> </a:t>
+            </a:r>
+            <a:r>
+              <a:rPr lang="cs-CZ" sz="1200" dirty="0" err="1"/>
+              <a:t>json</a:t>
+            </a:r>
+            <a:r>
+              <a:rPr lang="cs-CZ" sz="1200" dirty="0"/>
+              <a:t> specifikaci</a:t>
+            </a:r>
+            <a:r>
+              <a:rPr lang="en-US" sz="1200" dirty="0"/>
+              <a:t>"</a:t>
+            </a:r>
+          </a:p>
+          <a:p>
+            <a:pPr marL="800100" lvl="2" indent="0">
+              <a:buNone/>
+            </a:pPr>
+            <a:r>
+              <a:rPr lang="cs-CZ" sz="1200" dirty="0"/>
+              <a:t> </a:t>
+            </a:r>
+            <a:r>
+              <a:rPr lang="en-US" sz="1200" dirty="0"/>
+              <a:t>}</a:t>
+            </a:r>
+          </a:p>
+          <a:p>
+            <a:pPr lvl="2"/>
+            <a:endParaRPr lang="cs-CZ" sz="2000" dirty="0"/>
+          </a:p>
+        </p:txBody>
+      </p:sp>
+    </p:spTree>
+    <p:extLst>
+      <p:ext uri="{BB962C8B-B14F-4D97-AF65-F5344CB8AC3E}">
+        <p14:creationId xmlns:p14="http://schemas.microsoft.com/office/powerpoint/2010/main" val="2973574805"/>
+      </p:ext>
+    </p:extLst>
+  </p:cSld>
+  <p:clrMapOvr>
+    <a:masterClrMapping/>
+  </p:clrMapOvr>
+  <mc:AlternateContent xmlns:mc="http://schemas.openxmlformats.org/markup-compatibility/2006" xmlns:p14="http://schemas.microsoft.com/office/powerpoint/2010/main">
+    <mc:Choice Requires="p14">
+      <p:transition spd="slow" p14:dur="1600">
+        <p14:prism isInverted="1"/>
+      </p:transition>
+    </mc:Choice>
+    <mc:Fallback xmlns="">
+      <p:transition spd="slow">
+        <p:fade/>
+      </p:transition>
+    </mc:Fallback>
+  </mc:AlternateContent>
+</p:sld>
+</file>
+
+<file path=ppt/slides/slide16.xml><?xml version="1.0" encoding="utf-8"?>
+<p:sld xmlns:a="http://schemas.openxmlformats.org/drawingml/2006/main" xmlns:r="http://schemas.openxmlformats.org/officeDocument/2006/relationships" xmlns:p="http://schemas.openxmlformats.org/presentationml/2006/main">
+  <p:cSld>
+    <p:spTree>
+      <p:nvGrpSpPr>
+        <p:cNvPr id="1" name=""/>
+        <p:cNvGrpSpPr/>
+        <p:nvPr/>
+      </p:nvGrpSpPr>
+      <p:grpSpPr>
+        <a:xfrm>
+          <a:off x="0" y="0"/>
+          <a:ext cx="0" cy="0"/>
+          <a:chOff x="0" y="0"/>
+          <a:chExt cx="0" cy="0"/>
+        </a:xfrm>
+      </p:grpSpPr>
+      <p:sp>
+        <p:nvSpPr>
+          <p:cNvPr id="4" name="Title 3"/>
+          <p:cNvSpPr>
+            <a:spLocks noGrp="1"/>
+          </p:cNvSpPr>
+          <p:nvPr>
+            <p:ph type="title"/>
+          </p:nvPr>
+        </p:nvSpPr>
+        <p:spPr/>
+        <p:txBody>
+          <a:bodyPr>
+            <a:normAutofit/>
+          </a:bodyPr>
+          <a:lstStyle/>
+          <a:p>
+            <a:r>
+              <a:rPr lang="cs-CZ" dirty="0"/>
+              <a:t>Generování</a:t>
+            </a:r>
+          </a:p>
+        </p:txBody>
+      </p:sp>
+    </p:spTree>
+    <p:extLst>
+      <p:ext uri="{BB962C8B-B14F-4D97-AF65-F5344CB8AC3E}">
+        <p14:creationId xmlns:p14="http://schemas.microsoft.com/office/powerpoint/2010/main" val="3364419924"/>
+      </p:ext>
+    </p:extLst>
+  </p:cSld>
+  <p:clrMapOvr>
+    <a:masterClrMapping/>
+  </p:clrMapOvr>
+  <mc:AlternateContent xmlns:mc="http://schemas.openxmlformats.org/markup-compatibility/2006" xmlns:p14="http://schemas.microsoft.com/office/powerpoint/2010/main">
+    <mc:Choice Requires="p14">
+      <p:transition spd="slow" p14:dur="1600">
+        <p14:prism isInverted="1"/>
+      </p:transition>
+    </mc:Choice>
+    <mc:Fallback xmlns="">
+      <p:transition spd="slow">
+        <p:fade/>
+      </p:transition>
+    </mc:Fallback>
+  </mc:AlternateContent>
+</p:sld>
+</file>
+
+<file path=ppt/slides/slide17.xml><?xml version="1.0" encoding="utf-8"?>
+<p:sld xmlns:a="http://schemas.openxmlformats.org/drawingml/2006/main" xmlns:r="http://schemas.openxmlformats.org/officeDocument/2006/relationships" xmlns:p="http://schemas.openxmlformats.org/presentationml/2006/main">
+  <p:cSld>
+    <p:spTree>
+      <p:nvGrpSpPr>
+        <p:cNvPr id="1" name=""/>
+        <p:cNvGrpSpPr/>
+        <p:nvPr/>
+      </p:nvGrpSpPr>
+      <p:grpSpPr>
+        <a:xfrm>
+          <a:off x="0" y="0"/>
+          <a:ext cx="0" cy="0"/>
+          <a:chOff x="0" y="0"/>
+          <a:chExt cx="0" cy="0"/>
+        </a:xfrm>
+      </p:grpSpPr>
+      <p:sp>
+        <p:nvSpPr>
+          <p:cNvPr id="4" name="Title 3"/>
+          <p:cNvSpPr>
+            <a:spLocks noGrp="1"/>
+          </p:cNvSpPr>
+          <p:nvPr>
+            <p:ph type="title"/>
+          </p:nvPr>
+        </p:nvSpPr>
+        <p:spPr/>
+        <p:txBody>
+          <a:bodyPr/>
+          <a:lstStyle/>
+          <a:p>
+            <a:r>
+              <a:rPr lang="cs-CZ" dirty="0"/>
               <a:t>Odkazy</a:t>
             </a:r>
           </a:p>
@@ -6152,7 +7060,7 @@
 </p:sld>
 </file>
 
-<file path=ppt/slides/slide12.xml><?xml version="1.0" encoding="utf-8"?>
+<file path=ppt/slides/slide18.xml><?xml version="1.0" encoding="utf-8"?>
 <p:sld xmlns:a="http://schemas.openxmlformats.org/drawingml/2006/main" xmlns:r="http://schemas.openxmlformats.org/officeDocument/2006/relationships" xmlns:p="http://schemas.openxmlformats.org/presentationml/2006/main">
   <p:cSld>
     <p:spTree>
@@ -6292,6 +7200,10 @@
           <a:lstStyle/>
           <a:p>
             <a:r>
+              <a:rPr lang="cs-CZ" dirty="0"/>
+              <a:t>Úvod do frameworku </a:t>
+            </a:r>
+            <a:r>
               <a:rPr lang="cs-CZ" dirty="0" err="1"/>
               <a:t>Swagger</a:t>
             </a:r>
@@ -6306,7 +7218,7 @@
             <a:spLocks noGrp="1"/>
           </p:cNvSpPr>
           <p:nvPr>
-            <p:ph idx="1"/>
+            <p:ph sz="quarter" idx="10"/>
           </p:nvPr>
         </p:nvSpPr>
         <p:spPr/>
@@ -6314,92 +7226,115 @@
           <a:bodyPr/>
           <a:lstStyle/>
           <a:p>
-            <a:r>
-              <a:rPr lang="cs-CZ" sz="2800" dirty="0"/>
-              <a:t>Sada nástrojů (framework) pro tvorbu REST API</a:t>
-            </a:r>
-          </a:p>
-          <a:p>
-            <a:pPr lvl="1"/>
-            <a:r>
-              <a:rPr lang="cs-CZ" dirty="0" err="1"/>
-              <a:t>Swagger</a:t>
-            </a:r>
-            <a:r>
-              <a:rPr lang="cs-CZ" dirty="0"/>
-              <a:t> Editor</a:t>
-            </a:r>
-          </a:p>
-          <a:p>
-            <a:pPr lvl="2"/>
-            <a:r>
-              <a:rPr lang="cs-CZ" dirty="0"/>
-              <a:t>YAML/JSON (Open API </a:t>
-            </a:r>
-            <a:r>
-              <a:rPr lang="cs-CZ" dirty="0" err="1"/>
-              <a:t>Specification</a:t>
-            </a:r>
-            <a:r>
-              <a:rPr lang="cs-CZ" dirty="0"/>
-              <a:t>)</a:t>
-            </a:r>
-          </a:p>
-          <a:p>
-            <a:pPr lvl="1"/>
-            <a:r>
-              <a:rPr lang="cs-CZ" dirty="0" err="1"/>
-              <a:t>Swagger</a:t>
-            </a:r>
-            <a:r>
-              <a:rPr lang="cs-CZ" dirty="0"/>
-              <a:t> </a:t>
-            </a:r>
-            <a:r>
-              <a:rPr lang="cs-CZ" dirty="0" err="1"/>
-              <a:t>CodeGen</a:t>
-            </a:r>
-            <a:endParaRPr lang="cs-CZ" dirty="0"/>
-          </a:p>
-          <a:p>
-            <a:pPr lvl="2"/>
-            <a:r>
-              <a:rPr lang="cs-CZ" dirty="0"/>
-              <a:t>Generování </a:t>
-            </a:r>
-            <a:r>
-              <a:rPr lang="cs-CZ" dirty="0" err="1"/>
-              <a:t>clientské</a:t>
-            </a:r>
-            <a:r>
-              <a:rPr lang="cs-CZ" dirty="0"/>
-              <a:t>/serverové části</a:t>
-            </a:r>
-          </a:p>
-          <a:p>
-            <a:pPr lvl="1"/>
-            <a:r>
-              <a:rPr lang="cs-CZ" dirty="0" err="1"/>
-              <a:t>Swagger</a:t>
-            </a:r>
-            <a:r>
-              <a:rPr lang="cs-CZ" dirty="0"/>
-              <a:t> UI</a:t>
-            </a:r>
-          </a:p>
-          <a:p>
-            <a:pPr lvl="2"/>
-            <a:r>
-              <a:rPr lang="cs-CZ" dirty="0"/>
-              <a:t>Dokumentace</a:t>
-            </a:r>
-          </a:p>
-        </p:txBody>
-      </p:sp>
+            <a:pPr lvl="0">
+              <a:lnSpc>
+                <a:spcPct val="90000"/>
+              </a:lnSpc>
+              <a:defRPr/>
+            </a:pPr>
+            <a:r>
+              <a:rPr lang="cs-CZ" sz="2800" b="1" dirty="0">
+                <a:solidFill>
+                  <a:prstClr val="black"/>
+                </a:solidFill>
+                <a:latin typeface="Segoe UI Semilight"/>
+                <a:cs typeface="+mn-cs"/>
+              </a:rPr>
+              <a:t>Tomáš Jurásek</a:t>
+            </a:r>
+          </a:p>
+          <a:p>
+            <a:pPr lvl="0">
+              <a:defRPr/>
+            </a:pPr>
+            <a:r>
+              <a:rPr lang="cs-CZ" sz="1800" i="1" dirty="0">
+                <a:solidFill>
+                  <a:prstClr val="black"/>
+                </a:solidFill>
+                <a:latin typeface="Segoe UI Semilight"/>
+                <a:cs typeface="+mn-cs"/>
+              </a:rPr>
+              <a:t>.NET Developer, MSP</a:t>
+            </a:r>
+          </a:p>
+          <a:p>
+            <a:pPr lvl="0">
+              <a:defRPr/>
+            </a:pPr>
+            <a:r>
+              <a:rPr lang="cs-CZ" sz="1800" dirty="0">
+                <a:solidFill>
+                  <a:prstClr val="black"/>
+                </a:solidFill>
+                <a:latin typeface="Segoe UI Semilight"/>
+                <a:cs typeface="+mn-cs"/>
+                <a:hlinkClick r:id="rId2"/>
+              </a:rPr>
+              <a:t>tomas.jurasek@riganti.cz</a:t>
+            </a:r>
+            <a:endParaRPr lang="cs-CZ" sz="1800" dirty="0">
+              <a:solidFill>
+                <a:prstClr val="black"/>
+              </a:solidFill>
+              <a:latin typeface="Segoe UI Semilight"/>
+              <a:cs typeface="+mn-cs"/>
+            </a:endParaRPr>
+          </a:p>
+          <a:p>
+            <a:pPr lvl="0">
+              <a:defRPr/>
+            </a:pPr>
+            <a:endParaRPr lang="cs-CZ" sz="1800" dirty="0">
+              <a:solidFill>
+                <a:prstClr val="black"/>
+              </a:solidFill>
+              <a:latin typeface="Segoe UI Semilight"/>
+              <a:cs typeface="+mn-cs"/>
+            </a:endParaRPr>
+          </a:p>
+        </p:txBody>
+      </p:sp>
+      <p:pic>
+        <p:nvPicPr>
+          <p:cNvPr id="3" name="Obrázek 2">
+            <a:extLst>
+              <a:ext uri="{FF2B5EF4-FFF2-40B4-BE49-F238E27FC236}">
+                <a16:creationId xmlns:a16="http://schemas.microsoft.com/office/drawing/2014/main" id="{A2CC05FB-65F2-459D-B9B7-F176FDB79E19}"/>
+              </a:ext>
+            </a:extLst>
+          </p:cNvPr>
+          <p:cNvPicPr>
+            <a:picLocks noChangeAspect="1"/>
+          </p:cNvPicPr>
+          <p:nvPr/>
+        </p:nvPicPr>
+        <p:blipFill>
+          <a:blip r:embed="rId3">
+            <a:extLst>
+              <a:ext uri="{28A0092B-C50C-407E-A947-70E740481C1C}">
+                <a14:useLocalDpi xmlns:a14="http://schemas.microsoft.com/office/drawing/2010/main" val="0"/>
+              </a:ext>
+            </a:extLst>
+          </a:blip>
+          <a:stretch>
+            <a:fillRect/>
+          </a:stretch>
+        </p:blipFill>
+        <p:spPr>
+          <a:xfrm>
+            <a:off x="6948264" y="5733256"/>
+            <a:ext cx="1829027" cy="960239"/>
+          </a:xfrm>
+          <a:prstGeom prst="rect">
+            <a:avLst/>
+          </a:prstGeom>
+        </p:spPr>
+      </p:pic>
     </p:spTree>
     <p:extLst>
       <p:ext uri="{BB962C8B-B14F-4D97-AF65-F5344CB8AC3E}">
-        <p14:creationId xmlns:p14="http://schemas.microsoft.com/office/powerpoint/2010/main" val="3447363384"/>
+        <p14:creationId xmlns:p14="http://schemas.microsoft.com/office/powerpoint/2010/main" val="2520324001"/>
       </p:ext>
     </p:extLst>
   </p:cSld>
@@ -6408,14 +7343,10 @@
   </p:clrMapOvr>
   <mc:AlternateContent xmlns:mc="http://schemas.openxmlformats.org/markup-compatibility/2006" xmlns:p14="http://schemas.microsoft.com/office/powerpoint/2010/main">
     <mc:Choice Requires="p14">
-      <p:transition spd="slow" p14:dur="1600">
-        <p14:prism isInverted="1"/>
-      </p:transition>
+      <p:transition p14:dur="0"/>
     </mc:Choice>
     <mc:Fallback xmlns="">
-      <p:transition spd="slow">
-        <p:fade/>
-      </p:transition>
+      <p:transition/>
     </mc:Fallback>
   </mc:AlternateContent>
 </p:sld>
@@ -6440,13 +7371,7 @@
       </p:grpSpPr>
       <p:sp>
         <p:nvSpPr>
-          <p:cNvPr id="2" name="Nadpis 1">
-            <a:extLst>
-              <a:ext uri="{FF2B5EF4-FFF2-40B4-BE49-F238E27FC236}">
-                <a16:creationId xmlns:a16="http://schemas.microsoft.com/office/drawing/2014/main" id="{492F2F30-820B-437A-BC5E-8016979279BF}"/>
-              </a:ext>
-            </a:extLst>
-          </p:cNvPr>
+          <p:cNvPr id="4" name="Title 3"/>
           <p:cNvSpPr>
             <a:spLocks noGrp="1"/>
           </p:cNvSpPr>
@@ -6463,9 +7388,103 @@
               <a:rPr lang="cs-CZ" dirty="0" err="1"/>
               <a:t>Swagger</a:t>
             </a:r>
+            <a:endParaRPr lang="cs-CZ" dirty="0"/>
+          </a:p>
+        </p:txBody>
+      </p:sp>
+      <p:sp>
+        <p:nvSpPr>
+          <p:cNvPr id="5" name="Content Placeholder 4"/>
+          <p:cNvSpPr>
+            <a:spLocks noGrp="1"/>
+          </p:cNvSpPr>
+          <p:nvPr>
+            <p:ph idx="1"/>
+          </p:nvPr>
+        </p:nvSpPr>
+        <p:spPr/>
+        <p:txBody>
+          <a:bodyPr/>
+          <a:lstStyle/>
+          <a:p>
+            <a:r>
+              <a:rPr lang="cs-CZ" sz="2800" dirty="0"/>
+              <a:t>Sada nástrojů (framework) pro tvorbu REST API</a:t>
+            </a:r>
+          </a:p>
+          <a:p>
+            <a:pPr lvl="1"/>
+            <a:r>
+              <a:rPr lang="cs-CZ" dirty="0" err="1"/>
+              <a:t>Swagger</a:t>
+            </a:r>
             <a:r>
               <a:rPr lang="cs-CZ" dirty="0"/>
-              <a:t> Hub</a:t>
+              <a:t> Editor</a:t>
+            </a:r>
+          </a:p>
+          <a:p>
+            <a:pPr lvl="2"/>
+            <a:r>
+              <a:rPr lang="cs-CZ" dirty="0"/>
+              <a:t>YAML/JSON (Open API </a:t>
+            </a:r>
+            <a:r>
+              <a:rPr lang="cs-CZ" dirty="0" err="1"/>
+              <a:t>Specification</a:t>
+            </a:r>
+            <a:r>
+              <a:rPr lang="cs-CZ" dirty="0"/>
+              <a:t>)</a:t>
+            </a:r>
+          </a:p>
+          <a:p>
+            <a:pPr lvl="1"/>
+            <a:r>
+              <a:rPr lang="cs-CZ" dirty="0" err="1"/>
+              <a:t>Swagger</a:t>
+            </a:r>
+            <a:r>
+              <a:rPr lang="cs-CZ" dirty="0"/>
+              <a:t> </a:t>
+            </a:r>
+            <a:r>
+              <a:rPr lang="cs-CZ" dirty="0" err="1"/>
+              <a:t>CodeGen</a:t>
+            </a:r>
+            <a:endParaRPr lang="cs-CZ" dirty="0"/>
+          </a:p>
+          <a:p>
+            <a:pPr lvl="2"/>
+            <a:r>
+              <a:rPr lang="cs-CZ" dirty="0"/>
+              <a:t>Generování </a:t>
+            </a:r>
+            <a:r>
+              <a:rPr lang="cs-CZ" dirty="0" err="1"/>
+              <a:t>clientské</a:t>
+            </a:r>
+            <a:r>
+              <a:rPr lang="cs-CZ" dirty="0"/>
+              <a:t>/serverové části</a:t>
+            </a:r>
+          </a:p>
+          <a:p>
+            <a:pPr lvl="1"/>
+            <a:r>
+              <a:rPr lang="cs-CZ" dirty="0" err="1"/>
+              <a:t>Swagger</a:t>
+            </a:r>
+            <a:r>
+              <a:rPr lang="cs-CZ" dirty="0"/>
+              <a:t> UI</a:t>
+            </a:r>
+          </a:p>
+          <a:p>
+            <a:pPr lvl="2"/>
+            <a:r>
+              <a:rPr lang="cs-CZ" dirty="0"/>
+              <a:t>Dokumentace</a:t>
             </a:r>
           </a:p>
         </p:txBody>
@@ -6473,7 +7492,7 @@
     </p:spTree>
     <p:extLst>
       <p:ext uri="{BB962C8B-B14F-4D97-AF65-F5344CB8AC3E}">
-        <p14:creationId xmlns:p14="http://schemas.microsoft.com/office/powerpoint/2010/main" val="3579927137"/>
+        <p14:creationId xmlns:p14="http://schemas.microsoft.com/office/powerpoint/2010/main" val="3447363384"/>
       </p:ext>
     </p:extLst>
   </p:cSld>
@@ -6514,7 +7533,13 @@
       </p:grpSpPr>
       <p:sp>
         <p:nvSpPr>
-          <p:cNvPr id="4" name="Title 3"/>
+          <p:cNvPr id="2" name="Nadpis 1">
+            <a:extLst>
+              <a:ext uri="{FF2B5EF4-FFF2-40B4-BE49-F238E27FC236}">
+                <a16:creationId xmlns:a16="http://schemas.microsoft.com/office/drawing/2014/main" id="{B8EB4D1E-DF41-4722-8EB9-E4B1C33840C8}"/>
+              </a:ext>
+            </a:extLst>
+          </p:cNvPr>
           <p:cNvSpPr>
             <a:spLocks noGrp="1"/>
           </p:cNvSpPr>
@@ -6524,170 +7549,54 @@
         </p:nvSpPr>
         <p:spPr/>
         <p:txBody>
-          <a:bodyPr/>
+          <a:bodyPr>
+            <a:normAutofit fontScale="90000"/>
+          </a:bodyPr>
           <a:lstStyle/>
           <a:p>
             <a:r>
               <a:rPr lang="cs-CZ" dirty="0"/>
-              <a:t>ASP.NET </a:t>
-            </a:r>
-            <a:r>
-              <a:rPr lang="cs-CZ" dirty="0" err="1"/>
-              <a:t>Core</a:t>
-            </a:r>
-            <a:r>
-              <a:rPr lang="cs-CZ" dirty="0"/>
-              <a:t> Konfigurace</a:t>
-            </a:r>
-          </a:p>
-        </p:txBody>
-      </p:sp>
-      <p:sp>
-        <p:nvSpPr>
-          <p:cNvPr id="5" name="Content Placeholder 4"/>
-          <p:cNvSpPr>
-            <a:spLocks noGrp="1"/>
-          </p:cNvSpPr>
+              <a:t>Přístupy k vytváření API Specifikace</a:t>
+            </a:r>
+          </a:p>
+        </p:txBody>
+      </p:sp>
+      <p:pic>
+        <p:nvPicPr>
+          <p:cNvPr id="5" name="Zástupný symbol pro obsah 4">
+            <a:extLst>
+              <a:ext uri="{FF2B5EF4-FFF2-40B4-BE49-F238E27FC236}">
+                <a16:creationId xmlns:a16="http://schemas.microsoft.com/office/drawing/2014/main" id="{00EDFC23-4F60-41C2-B758-1E32B8897F1F}"/>
+              </a:ext>
+            </a:extLst>
+          </p:cNvPr>
+          <p:cNvPicPr>
+            <a:picLocks noGrp="1" noChangeAspect="1"/>
+          </p:cNvPicPr>
           <p:nvPr>
             <p:ph idx="1"/>
           </p:nvPr>
-        </p:nvSpPr>
-        <p:spPr/>
-        <p:txBody>
-          <a:bodyPr/>
-          <a:lstStyle/>
-          <a:p>
-            <a:r>
-              <a:rPr lang="cs-CZ" dirty="0"/>
-              <a:t>Nuget : </a:t>
-            </a:r>
-            <a:r>
-              <a:rPr lang="cs-CZ" dirty="0" err="1"/>
-              <a:t>Swashbuckle.AspNetCore</a:t>
-            </a:r>
-            <a:endParaRPr lang="cs-CZ" dirty="0"/>
-          </a:p>
-          <a:p>
-            <a:endParaRPr lang="cs-CZ" dirty="0"/>
-          </a:p>
-          <a:p>
-            <a:pPr marL="0" indent="0">
-              <a:buNone/>
-            </a:pPr>
-            <a:r>
-              <a:rPr lang="cs-CZ" dirty="0"/>
-              <a:t>1) </a:t>
-            </a:r>
-            <a:r>
-              <a:rPr lang="cs-CZ" dirty="0" err="1"/>
-              <a:t>Swagger</a:t>
-            </a:r>
-            <a:r>
-              <a:rPr lang="cs-CZ" dirty="0"/>
-              <a:t> Generátor </a:t>
-            </a:r>
-          </a:p>
-          <a:p>
-            <a:pPr marL="0" indent="0">
-              <a:buNone/>
-            </a:pPr>
-            <a:r>
-              <a:rPr lang="cs-CZ" sz="1800" dirty="0"/>
-              <a:t>       </a:t>
-            </a:r>
-            <a:r>
-              <a:rPr lang="cs-CZ" sz="1800" dirty="0" err="1"/>
-              <a:t>services.AddSwaggerGen</a:t>
-            </a:r>
-            <a:r>
-              <a:rPr lang="cs-CZ" sz="1800" dirty="0"/>
-              <a:t>(</a:t>
-            </a:r>
-            <a:r>
-              <a:rPr lang="cs-CZ" sz="1800" dirty="0" err="1"/>
-              <a:t>option</a:t>
-            </a:r>
-            <a:r>
-              <a:rPr lang="cs-CZ" sz="1800" dirty="0"/>
-              <a:t> =&gt;</a:t>
-            </a:r>
-          </a:p>
-          <a:p>
-            <a:pPr marL="0" indent="0">
-              <a:buNone/>
-            </a:pPr>
-            <a:r>
-              <a:rPr lang="cs-CZ" sz="1800" dirty="0"/>
-              <a:t>            {</a:t>
-            </a:r>
-          </a:p>
-          <a:p>
-            <a:pPr marL="0" indent="0">
-              <a:buNone/>
-            </a:pPr>
-            <a:r>
-              <a:rPr lang="en-US" sz="1800" dirty="0"/>
-              <a:t>                </a:t>
-            </a:r>
-            <a:r>
-              <a:rPr lang="en-US" sz="1800" dirty="0" err="1"/>
-              <a:t>option.SwaggerDoc</a:t>
-            </a:r>
-            <a:r>
-              <a:rPr lang="en-US" sz="1800" dirty="0"/>
-              <a:t>("v1", new Info { Title = "My API V1", Version = "v1" });</a:t>
-            </a:r>
-          </a:p>
-          <a:p>
-            <a:pPr marL="0" indent="0">
-              <a:buNone/>
-            </a:pPr>
-            <a:r>
-              <a:rPr lang="cs-CZ" sz="1800" dirty="0"/>
-              <a:t>            });</a:t>
-            </a:r>
-          </a:p>
-          <a:p>
-            <a:pPr marL="0" indent="0">
-              <a:buNone/>
-            </a:pPr>
-            <a:r>
-              <a:rPr lang="cs-CZ" dirty="0"/>
-              <a:t>2) </a:t>
-            </a:r>
-            <a:r>
-              <a:rPr lang="cs-CZ" dirty="0" err="1"/>
-              <a:t>Swagger</a:t>
-            </a:r>
-            <a:r>
-              <a:rPr lang="cs-CZ" dirty="0"/>
-              <a:t> </a:t>
-            </a:r>
-            <a:r>
-              <a:rPr lang="cs-CZ" dirty="0" err="1"/>
-              <a:t>Middleware</a:t>
-            </a:r>
-            <a:endParaRPr lang="cs-CZ" dirty="0"/>
-          </a:p>
-          <a:p>
-            <a:pPr marL="457200" lvl="1" indent="0">
-              <a:buNone/>
-            </a:pPr>
-            <a:r>
-              <a:rPr lang="cs-CZ" sz="1800" dirty="0" err="1"/>
-              <a:t>app.UseSwagger</a:t>
-            </a:r>
-            <a:r>
-              <a:rPr lang="cs-CZ" sz="1800" dirty="0"/>
-              <a:t>();</a:t>
-            </a:r>
-          </a:p>
-        </p:txBody>
-      </p:sp>
+        </p:nvPicPr>
+        <p:blipFill>
+          <a:blip r:embed="rId2"/>
+          <a:stretch>
+            <a:fillRect/>
+          </a:stretch>
+        </p:blipFill>
+        <p:spPr>
+          <a:xfrm>
+            <a:off x="966787" y="1354138"/>
+            <a:ext cx="7210425" cy="4686300"/>
+          </a:xfrm>
+          <a:prstGeom prst="rect">
+            <a:avLst/>
+          </a:prstGeom>
+        </p:spPr>
+      </p:pic>
     </p:spTree>
     <p:extLst>
       <p:ext uri="{BB962C8B-B14F-4D97-AF65-F5344CB8AC3E}">
-        <p14:creationId xmlns:p14="http://schemas.microsoft.com/office/powerpoint/2010/main" val="74248659"/>
+        <p14:creationId xmlns:p14="http://schemas.microsoft.com/office/powerpoint/2010/main" val="2393839811"/>
       </p:ext>
     </p:extLst>
   </p:cSld>
@@ -6736,131 +7645,32 @@
             <p:ph type="title"/>
           </p:nvPr>
         </p:nvSpPr>
-        <p:spPr/>
+        <p:spPr>
+          <a:xfrm>
+            <a:off x="2915816" y="2492896"/>
+            <a:ext cx="8229600" cy="1143000"/>
+          </a:xfrm>
+        </p:spPr>
         <p:txBody>
           <a:bodyPr/>
           <a:lstStyle/>
           <a:p>
             <a:r>
-              <a:rPr lang="cs-CZ" dirty="0"/>
-              <a:t>ASP.NET </a:t>
-            </a:r>
-            <a:r>
-              <a:rPr lang="cs-CZ" dirty="0" err="1"/>
-              <a:t>Core</a:t>
-            </a:r>
-            <a:r>
-              <a:rPr lang="cs-CZ" dirty="0"/>
-              <a:t> Konfigurace</a:t>
-            </a:r>
-          </a:p>
-        </p:txBody>
-      </p:sp>
-      <p:sp>
-        <p:nvSpPr>
-          <p:cNvPr id="5" name="Content Placeholder 4"/>
-          <p:cNvSpPr>
-            <a:spLocks noGrp="1"/>
-          </p:cNvSpPr>
-          <p:nvPr>
-            <p:ph idx="1"/>
-          </p:nvPr>
-        </p:nvSpPr>
-        <p:spPr/>
-        <p:txBody>
-          <a:bodyPr>
-            <a:normAutofit/>
-          </a:bodyPr>
-          <a:lstStyle/>
-          <a:p>
-            <a:pPr marL="0" indent="0">
-              <a:buNone/>
-            </a:pPr>
-            <a:endParaRPr lang="cs-CZ" dirty="0"/>
-          </a:p>
-          <a:p>
-            <a:pPr marL="0" indent="0">
-              <a:buNone/>
-            </a:pPr>
-            <a:r>
-              <a:rPr lang="cs-CZ" dirty="0"/>
-              <a:t>3) </a:t>
-            </a:r>
-            <a:r>
-              <a:rPr lang="cs-CZ" dirty="0" err="1"/>
-              <a:t>Swagger</a:t>
-            </a:r>
-            <a:r>
-              <a:rPr lang="cs-CZ" dirty="0"/>
-              <a:t> UI</a:t>
-            </a:r>
-          </a:p>
-          <a:p>
-            <a:pPr marL="0" indent="0">
-              <a:buNone/>
-            </a:pPr>
-            <a:r>
-              <a:rPr lang="cs-CZ" sz="1900" dirty="0"/>
-              <a:t>      </a:t>
-            </a:r>
-            <a:r>
-              <a:rPr lang="cs-CZ" sz="1900" dirty="0" err="1"/>
-              <a:t>app.UseSwaggerUI</a:t>
-            </a:r>
-            <a:r>
-              <a:rPr lang="cs-CZ" sz="1900" dirty="0"/>
-              <a:t>(c =&gt;</a:t>
-            </a:r>
-          </a:p>
-          <a:p>
-            <a:pPr marL="0" indent="0">
-              <a:buNone/>
-            </a:pPr>
-            <a:r>
-              <a:rPr lang="cs-CZ" sz="1900" dirty="0"/>
-              <a:t>            {</a:t>
-            </a:r>
-          </a:p>
-          <a:p>
-            <a:pPr marL="0" indent="0">
-              <a:buNone/>
-            </a:pPr>
-            <a:r>
-              <a:rPr lang="en-US" sz="1900" dirty="0"/>
-              <a:t>                </a:t>
-            </a:r>
-            <a:r>
-              <a:rPr lang="en-US" sz="1900" dirty="0" err="1"/>
-              <a:t>c.SwaggerEndpoint</a:t>
-            </a:r>
-            <a:r>
-              <a:rPr lang="en-US" sz="1900" dirty="0"/>
-              <a:t>("/swagger/v1/</a:t>
-            </a:r>
-            <a:r>
-              <a:rPr lang="en-US" sz="1900" dirty="0" err="1"/>
-              <a:t>swagger.json</a:t>
-            </a:r>
-            <a:r>
-              <a:rPr lang="en-US" sz="1900" dirty="0"/>
-              <a:t>", "My API V1");</a:t>
-            </a:r>
-          </a:p>
-          <a:p>
-            <a:pPr marL="0" indent="0">
-              <a:buNone/>
-            </a:pPr>
-            <a:r>
-              <a:rPr lang="cs-CZ" sz="1900" dirty="0"/>
-              <a:t>            }); </a:t>
-            </a:r>
+              <a:rPr lang="cs-CZ" b="1" dirty="0"/>
+              <a:t>Design </a:t>
+            </a:r>
+            <a:r>
+              <a:rPr lang="cs-CZ" b="1" dirty="0" err="1"/>
+              <a:t>First</a:t>
+            </a:r>
+            <a:endParaRPr lang="cs-CZ" b="1" dirty="0"/>
           </a:p>
         </p:txBody>
       </p:sp>
     </p:spTree>
     <p:extLst>
       <p:ext uri="{BB962C8B-B14F-4D97-AF65-F5344CB8AC3E}">
-        <p14:creationId xmlns:p14="http://schemas.microsoft.com/office/powerpoint/2010/main" val="3860434300"/>
+        <p14:creationId xmlns:p14="http://schemas.microsoft.com/office/powerpoint/2010/main" val="1000040310"/>
       </p:ext>
     </p:extLst>
   </p:cSld>
@@ -6911,22 +7721,300 @@
         </p:nvSpPr>
         <p:spPr/>
         <p:txBody>
-          <a:bodyPr>
+          <a:bodyPr/>
+          <a:lstStyle/>
+          <a:p>
+            <a:r>
+              <a:rPr lang="cs-CZ" dirty="0" err="1"/>
+              <a:t>SwaggerHub</a:t>
+            </a:r>
+            <a:endParaRPr lang="cs-CZ" dirty="0"/>
+          </a:p>
+        </p:txBody>
+      </p:sp>
+      <p:sp>
+        <p:nvSpPr>
+          <p:cNvPr id="5" name="Content Placeholder 4"/>
+          <p:cNvSpPr>
+            <a:spLocks noGrp="1"/>
+          </p:cNvSpPr>
+          <p:nvPr>
+            <p:ph idx="1"/>
+          </p:nvPr>
+        </p:nvSpPr>
+        <p:spPr>
+          <a:xfrm>
+            <a:off x="457200" y="1397301"/>
+            <a:ext cx="8229600" cy="4525963"/>
+          </a:xfrm>
+        </p:spPr>
+        <p:txBody>
+          <a:bodyPr/>
+          <a:lstStyle/>
+          <a:p>
+            <a:r>
+              <a:rPr lang="cs-CZ" dirty="0">
+                <a:hlinkClick r:id="rId2"/>
+              </a:rPr>
+              <a:t>https://app.swaggerhub.com/</a:t>
+            </a:r>
+            <a:endParaRPr lang="cs-CZ" dirty="0"/>
+          </a:p>
+          <a:p>
+            <a:r>
+              <a:rPr lang="cs-CZ" dirty="0"/>
+              <a:t>Portál pro Design </a:t>
+            </a:r>
+            <a:r>
+              <a:rPr lang="cs-CZ" dirty="0" err="1"/>
+              <a:t>First</a:t>
+            </a:r>
+            <a:r>
+              <a:rPr lang="cs-CZ" dirty="0"/>
+              <a:t> přístup</a:t>
+            </a:r>
+          </a:p>
+          <a:p>
+            <a:r>
+              <a:rPr lang="cs-CZ" dirty="0"/>
+              <a:t>Možnost hostovat nástroje na svém server</a:t>
+            </a:r>
+          </a:p>
+        </p:txBody>
+      </p:sp>
+      <p:sp>
+        <p:nvSpPr>
+          <p:cNvPr id="6" name="Title 3">
+            <a:extLst>
+              <a:ext uri="{FF2B5EF4-FFF2-40B4-BE49-F238E27FC236}">
+                <a16:creationId xmlns:a16="http://schemas.microsoft.com/office/drawing/2014/main" id="{F052A5F8-2F6E-4149-B231-9D1A5BA6694E}"/>
+              </a:ext>
+            </a:extLst>
+          </p:cNvPr>
+          <p:cNvSpPr txBox="1">
+            <a:spLocks/>
+          </p:cNvSpPr>
+          <p:nvPr/>
+        </p:nvSpPr>
+        <p:spPr>
+          <a:xfrm>
+            <a:off x="457200" y="3429000"/>
+            <a:ext cx="8229600" cy="1143000"/>
+          </a:xfrm>
+          <a:prstGeom prst="rect">
+            <a:avLst/>
+          </a:prstGeom>
+        </p:spPr>
+        <p:txBody>
+          <a:bodyPr vert="horz" lIns="91440" tIns="45720" rIns="91440" bIns="45720" rtlCol="0" anchor="ctr">
             <a:normAutofit/>
           </a:bodyPr>
-          <a:lstStyle/>
+          <a:lstStyle>
+            <a:lvl1pPr algn="l" defTabSz="914400" rtl="0" eaLnBrk="1" latinLnBrk="0" hangingPunct="1">
+              <a:spcBef>
+                <a:spcPct val="0"/>
+              </a:spcBef>
+              <a:buNone/>
+              <a:defRPr sz="4400" b="0" kern="1200">
+                <a:solidFill>
+                  <a:schemeClr val="tx1"/>
+                </a:solidFill>
+                <a:latin typeface="Segoe UI" panose="020B0502040204020203" pitchFamily="34" charset="0"/>
+                <a:ea typeface="+mj-ea"/>
+                <a:cs typeface="Segoe UI" panose="020B0502040204020203" pitchFamily="34" charset="0"/>
+              </a:defRPr>
+            </a:lvl1pPr>
+          </a:lstStyle>
           <a:p>
             <a:r>
               <a:rPr lang="cs-CZ" dirty="0"/>
-              <a:t>Konfigurace</a:t>
-            </a:r>
+              <a:t>API Specifikace</a:t>
+            </a:r>
+          </a:p>
+        </p:txBody>
+      </p:sp>
+      <p:sp>
+        <p:nvSpPr>
+          <p:cNvPr id="7" name="Content Placeholder 4">
+            <a:extLst>
+              <a:ext uri="{FF2B5EF4-FFF2-40B4-BE49-F238E27FC236}">
+                <a16:creationId xmlns:a16="http://schemas.microsoft.com/office/drawing/2014/main" id="{65BBAB29-EFC9-4BEA-B0D5-FB35824F2593}"/>
+              </a:ext>
+            </a:extLst>
+          </p:cNvPr>
+          <p:cNvSpPr txBox="1">
+            <a:spLocks/>
+          </p:cNvSpPr>
+          <p:nvPr/>
+        </p:nvSpPr>
+        <p:spPr>
+          <a:xfrm>
+            <a:off x="457200" y="4437112"/>
+            <a:ext cx="8229600" cy="4525963"/>
+          </a:xfrm>
+          <a:prstGeom prst="rect">
+            <a:avLst/>
+          </a:prstGeom>
+        </p:spPr>
+        <p:txBody>
+          <a:bodyPr vert="horz" lIns="91440" tIns="45720" rIns="91440" bIns="45720" rtlCol="0">
+            <a:normAutofit/>
+          </a:bodyPr>
+          <a:lstStyle>
+            <a:lvl1pPr marL="342900" indent="-342900" algn="l" defTabSz="914400" rtl="0" eaLnBrk="1" latinLnBrk="0" hangingPunct="1">
+              <a:spcBef>
+                <a:spcPct val="20000"/>
+              </a:spcBef>
+              <a:buFont typeface="Arial" pitchFamily="34" charset="0"/>
+              <a:buChar char="•"/>
+              <a:defRPr sz="3200" kern="1200">
+                <a:solidFill>
+                  <a:schemeClr val="tx1"/>
+                </a:solidFill>
+                <a:latin typeface="Segoe UI Light" pitchFamily="34" charset="0"/>
+                <a:ea typeface="+mn-ea"/>
+                <a:cs typeface="Segoe UI Light" pitchFamily="34" charset="0"/>
+              </a:defRPr>
+            </a:lvl1pPr>
+            <a:lvl2pPr marL="742950" indent="-285750" algn="l" defTabSz="914400" rtl="0" eaLnBrk="1" latinLnBrk="0" hangingPunct="1">
+              <a:spcBef>
+                <a:spcPct val="20000"/>
+              </a:spcBef>
+              <a:buFont typeface="Arial" pitchFamily="34" charset="0"/>
+              <a:buChar char="–"/>
+              <a:defRPr sz="2800" kern="1200">
+                <a:solidFill>
+                  <a:schemeClr val="tx1"/>
+                </a:solidFill>
+                <a:latin typeface="Segoe UI Light" pitchFamily="34" charset="0"/>
+                <a:ea typeface="+mn-ea"/>
+                <a:cs typeface="Segoe UI Light" pitchFamily="34" charset="0"/>
+              </a:defRPr>
+            </a:lvl2pPr>
+            <a:lvl3pPr marL="1143000" indent="-228600" algn="l" defTabSz="914400" rtl="0" eaLnBrk="1" latinLnBrk="0" hangingPunct="1">
+              <a:spcBef>
+                <a:spcPct val="20000"/>
+              </a:spcBef>
+              <a:buFont typeface="Arial" pitchFamily="34" charset="0"/>
+              <a:buChar char="•"/>
+              <a:defRPr sz="2400" kern="1200">
+                <a:solidFill>
+                  <a:schemeClr val="tx1"/>
+                </a:solidFill>
+                <a:latin typeface="Segoe UI Light" pitchFamily="34" charset="0"/>
+                <a:ea typeface="+mn-ea"/>
+                <a:cs typeface="Segoe UI Light" pitchFamily="34" charset="0"/>
+              </a:defRPr>
+            </a:lvl3pPr>
+            <a:lvl4pPr marL="1600200" indent="-228600" algn="l" defTabSz="914400" rtl="0" eaLnBrk="1" latinLnBrk="0" hangingPunct="1">
+              <a:spcBef>
+                <a:spcPct val="20000"/>
+              </a:spcBef>
+              <a:buFont typeface="Arial" pitchFamily="34" charset="0"/>
+              <a:buChar char="–"/>
+              <a:defRPr sz="2000" kern="1200">
+                <a:solidFill>
+                  <a:schemeClr val="tx1"/>
+                </a:solidFill>
+                <a:latin typeface="Segoe UI Light" pitchFamily="34" charset="0"/>
+                <a:ea typeface="+mn-ea"/>
+                <a:cs typeface="Segoe UI Light" pitchFamily="34" charset="0"/>
+              </a:defRPr>
+            </a:lvl4pPr>
+            <a:lvl5pPr marL="2057400" indent="-228600" algn="l" defTabSz="914400" rtl="0" eaLnBrk="1" latinLnBrk="0" hangingPunct="1">
+              <a:spcBef>
+                <a:spcPct val="20000"/>
+              </a:spcBef>
+              <a:buFont typeface="Arial" pitchFamily="34" charset="0"/>
+              <a:buChar char="»"/>
+              <a:defRPr sz="2000" kern="1200">
+                <a:solidFill>
+                  <a:schemeClr val="tx1"/>
+                </a:solidFill>
+                <a:latin typeface="Segoe UI Light" pitchFamily="34" charset="0"/>
+                <a:ea typeface="+mn-ea"/>
+                <a:cs typeface="Segoe UI Light" pitchFamily="34" charset="0"/>
+              </a:defRPr>
+            </a:lvl5pPr>
+            <a:lvl6pPr marL="2514600" indent="-228600" algn="l" defTabSz="914400" rtl="0" eaLnBrk="1" latinLnBrk="0" hangingPunct="1">
+              <a:spcBef>
+                <a:spcPct val="20000"/>
+              </a:spcBef>
+              <a:buFont typeface="Arial" pitchFamily="34" charset="0"/>
+              <a:buChar char="•"/>
+              <a:defRPr sz="2000" kern="1200">
+                <a:solidFill>
+                  <a:schemeClr val="tx1"/>
+                </a:solidFill>
+                <a:latin typeface="+mn-lt"/>
+                <a:ea typeface="+mn-ea"/>
+                <a:cs typeface="+mn-cs"/>
+              </a:defRPr>
+            </a:lvl6pPr>
+            <a:lvl7pPr marL="2971800" indent="-228600" algn="l" defTabSz="914400" rtl="0" eaLnBrk="1" latinLnBrk="0" hangingPunct="1">
+              <a:spcBef>
+                <a:spcPct val="20000"/>
+              </a:spcBef>
+              <a:buFont typeface="Arial" pitchFamily="34" charset="0"/>
+              <a:buChar char="•"/>
+              <a:defRPr sz="2000" kern="1200">
+                <a:solidFill>
+                  <a:schemeClr val="tx1"/>
+                </a:solidFill>
+                <a:latin typeface="+mn-lt"/>
+                <a:ea typeface="+mn-ea"/>
+                <a:cs typeface="+mn-cs"/>
+              </a:defRPr>
+            </a:lvl7pPr>
+            <a:lvl8pPr marL="3429000" indent="-228600" algn="l" defTabSz="914400" rtl="0" eaLnBrk="1" latinLnBrk="0" hangingPunct="1">
+              <a:spcBef>
+                <a:spcPct val="20000"/>
+              </a:spcBef>
+              <a:buFont typeface="Arial" pitchFamily="34" charset="0"/>
+              <a:buChar char="•"/>
+              <a:defRPr sz="2000" kern="1200">
+                <a:solidFill>
+                  <a:schemeClr val="tx1"/>
+                </a:solidFill>
+                <a:latin typeface="+mn-lt"/>
+                <a:ea typeface="+mn-ea"/>
+                <a:cs typeface="+mn-cs"/>
+              </a:defRPr>
+            </a:lvl8pPr>
+            <a:lvl9pPr marL="3886200" indent="-228600" algn="l" defTabSz="914400" rtl="0" eaLnBrk="1" latinLnBrk="0" hangingPunct="1">
+              <a:spcBef>
+                <a:spcPct val="20000"/>
+              </a:spcBef>
+              <a:buFont typeface="Arial" pitchFamily="34" charset="0"/>
+              <a:buChar char="•"/>
+              <a:defRPr sz="2000" kern="1200">
+                <a:solidFill>
+                  <a:schemeClr val="tx1"/>
+                </a:solidFill>
+                <a:latin typeface="+mn-lt"/>
+                <a:ea typeface="+mn-ea"/>
+                <a:cs typeface="+mn-cs"/>
+              </a:defRPr>
+            </a:lvl9pPr>
+          </a:lstStyle>
+          <a:p>
+            <a:r>
+              <a:rPr lang="cs-CZ" dirty="0">
+                <a:hlinkClick r:id="rId3"/>
+              </a:rPr>
+              <a:t>http://openapi-specification-visual-documentation.apihandyman.io/</a:t>
+            </a:r>
+            <a:endParaRPr lang="cs-CZ" dirty="0"/>
+          </a:p>
+          <a:p>
+            <a:endParaRPr lang="cs-CZ" dirty="0"/>
           </a:p>
         </p:txBody>
       </p:sp>
     </p:spTree>
     <p:extLst>
       <p:ext uri="{BB962C8B-B14F-4D97-AF65-F5344CB8AC3E}">
-        <p14:creationId xmlns:p14="http://schemas.microsoft.com/office/powerpoint/2010/main" val="3863274729"/>
+        <p14:creationId xmlns:p14="http://schemas.microsoft.com/office/powerpoint/2010/main" val="3937184712"/>
       </p:ext>
     </p:extLst>
   </p:cSld>
@@ -6975,224 +8063,36 @@
             <p:ph type="title"/>
           </p:nvPr>
         </p:nvSpPr>
-        <p:spPr/>
+        <p:spPr>
+          <a:xfrm>
+            <a:off x="2915816" y="2492896"/>
+            <a:ext cx="8229600" cy="1143000"/>
+          </a:xfrm>
+        </p:spPr>
         <p:txBody>
           <a:bodyPr/>
           <a:lstStyle/>
           <a:p>
             <a:r>
-              <a:rPr lang="cs-CZ" dirty="0"/>
-              <a:t>ASP.NET </a:t>
-            </a:r>
-            <a:r>
-              <a:rPr lang="cs-CZ" dirty="0" err="1"/>
-              <a:t>Core</a:t>
-            </a:r>
-            <a:r>
-              <a:rPr lang="cs-CZ" dirty="0"/>
-              <a:t> Konfigurace</a:t>
-            </a:r>
-          </a:p>
-        </p:txBody>
-      </p:sp>
-      <p:sp>
-        <p:nvSpPr>
-          <p:cNvPr id="5" name="Content Placeholder 4"/>
-          <p:cNvSpPr>
-            <a:spLocks noGrp="1"/>
-          </p:cNvSpPr>
-          <p:nvPr>
-            <p:ph idx="1"/>
-          </p:nvPr>
-        </p:nvSpPr>
-        <p:spPr/>
-        <p:txBody>
-          <a:bodyPr>
-            <a:normAutofit/>
-          </a:bodyPr>
-          <a:lstStyle/>
-          <a:p>
-            <a:r>
-              <a:rPr lang="cs-CZ" sz="2800" dirty="0" err="1"/>
-              <a:t>Swagger</a:t>
-            </a:r>
-            <a:r>
-              <a:rPr lang="cs-CZ" sz="2800" dirty="0"/>
+              <a:rPr lang="cs-CZ" b="1" dirty="0" err="1"/>
+              <a:t>Code</a:t>
+            </a:r>
+            <a:r>
+              <a:rPr lang="cs-CZ" b="1" dirty="0"/>
               <a:t> </a:t>
             </a:r>
             <a:r>
-              <a:rPr lang="cs-CZ" sz="2800" dirty="0" err="1"/>
-              <a:t>Attributy</a:t>
-            </a:r>
-            <a:endParaRPr lang="cs-CZ" sz="2800" dirty="0"/>
-          </a:p>
-          <a:p>
-            <a:pPr marL="457200" lvl="1" indent="0">
-              <a:buNone/>
-            </a:pPr>
-            <a:r>
-              <a:rPr lang="cs-CZ" sz="2400" dirty="0"/>
-              <a:t> [</a:t>
-            </a:r>
-            <a:r>
-              <a:rPr lang="cs-CZ" sz="2400" dirty="0" err="1"/>
-              <a:t>SwaggerResponse</a:t>
-            </a:r>
-            <a:r>
-              <a:rPr lang="cs-CZ" sz="2400" dirty="0"/>
-              <a:t>(</a:t>
-            </a:r>
-            <a:r>
-              <a:rPr lang="cs-CZ" sz="2400" dirty="0" err="1"/>
-              <a:t>int</a:t>
-            </a:r>
-            <a:r>
-              <a:rPr lang="cs-CZ" sz="2400" dirty="0"/>
-              <a:t> </a:t>
-            </a:r>
-            <a:r>
-              <a:rPr lang="cs-CZ" sz="2400" dirty="0" err="1"/>
-              <a:t>statusCode</a:t>
-            </a:r>
-            <a:r>
-              <a:rPr lang="cs-CZ" sz="2400" dirty="0"/>
-              <a:t>, Type type))]</a:t>
-            </a:r>
-          </a:p>
-          <a:p>
-            <a:pPr marL="457200" lvl="1" indent="0">
-              <a:buNone/>
-            </a:pPr>
-            <a:r>
-              <a:rPr lang="cs-CZ" sz="2400" dirty="0"/>
-              <a:t> [</a:t>
-            </a:r>
-            <a:r>
-              <a:rPr lang="cs-CZ" sz="2400" dirty="0" err="1"/>
-              <a:t>SwaggerOperation</a:t>
-            </a:r>
-            <a:r>
-              <a:rPr lang="cs-CZ" sz="2400" dirty="0"/>
-              <a:t>(</a:t>
-            </a:r>
-            <a:r>
-              <a:rPr lang="cs-CZ" sz="2400" dirty="0" err="1"/>
-              <a:t>string</a:t>
-            </a:r>
-            <a:r>
-              <a:rPr lang="cs-CZ" sz="2400" dirty="0"/>
-              <a:t> </a:t>
-            </a:r>
-            <a:r>
-              <a:rPr lang="cs-CZ" sz="2400" dirty="0" err="1"/>
-              <a:t>operationName</a:t>
-            </a:r>
-            <a:r>
-              <a:rPr lang="cs-CZ" sz="2400" dirty="0"/>
-              <a:t>)]</a:t>
-            </a:r>
-          </a:p>
-          <a:p>
-            <a:pPr lvl="1"/>
-            <a:endParaRPr lang="cs-CZ" sz="2400" dirty="0"/>
-          </a:p>
-          <a:p>
-            <a:pPr lvl="1"/>
-            <a:endParaRPr lang="cs-CZ" sz="2400" dirty="0"/>
-          </a:p>
-          <a:p>
-            <a:pPr lvl="1"/>
-            <a:endParaRPr lang="cs-CZ" sz="2400" dirty="0"/>
-          </a:p>
-          <a:p>
-            <a:pPr lvl="1"/>
-            <a:endParaRPr lang="cs-CZ" sz="2400" dirty="0"/>
-          </a:p>
-          <a:p>
-            <a:pPr marL="457200" lvl="1" indent="0">
-              <a:buNone/>
-            </a:pPr>
-            <a:r>
-              <a:rPr lang="cs-CZ" sz="2400" dirty="0"/>
-              <a:t>[</a:t>
-            </a:r>
-            <a:r>
-              <a:rPr lang="cs-CZ" sz="2400" dirty="0" err="1"/>
-              <a:t>ApiExplorerSettings</a:t>
-            </a:r>
-            <a:r>
-              <a:rPr lang="cs-CZ" sz="2400" dirty="0"/>
-              <a:t>(</a:t>
-            </a:r>
-            <a:r>
-              <a:rPr lang="cs-CZ" sz="2400" dirty="0" err="1"/>
-              <a:t>GroupName</a:t>
-            </a:r>
-            <a:r>
-              <a:rPr lang="cs-CZ" sz="2400" dirty="0"/>
-              <a:t> = „</a:t>
-            </a:r>
-            <a:r>
-              <a:rPr lang="cs-CZ" sz="2400" dirty="0" err="1"/>
-              <a:t>version</a:t>
-            </a:r>
-            <a:r>
-              <a:rPr lang="cs-CZ" sz="2400" dirty="0"/>
-              <a:t>")]</a:t>
-            </a:r>
-          </a:p>
-          <a:p>
-            <a:pPr marL="457200" lvl="1" indent="0">
-              <a:buNone/>
-            </a:pPr>
-            <a:r>
-              <a:rPr lang="en-US" sz="2400" dirty="0"/>
-              <a:t>[</a:t>
-            </a:r>
-            <a:r>
-              <a:rPr lang="en-US" sz="2400" dirty="0" err="1"/>
-              <a:t>ProducesResponseType</a:t>
-            </a:r>
-            <a:r>
-              <a:rPr lang="en-US" sz="2400" dirty="0"/>
-              <a:t>(</a:t>
-            </a:r>
-            <a:r>
-              <a:rPr lang="cs-CZ" sz="2400" dirty="0"/>
-              <a:t>Type </a:t>
-            </a:r>
-            <a:r>
-              <a:rPr lang="cs-CZ" sz="2400" dirty="0" err="1"/>
-              <a:t>type</a:t>
-            </a:r>
-            <a:r>
-              <a:rPr lang="en-US" sz="2400" dirty="0"/>
-              <a:t>, </a:t>
-            </a:r>
-            <a:r>
-              <a:rPr lang="cs-CZ" sz="2400" dirty="0" err="1"/>
-              <a:t>int</a:t>
-            </a:r>
-            <a:r>
-              <a:rPr lang="cs-CZ" sz="2400" dirty="0"/>
-              <a:t> </a:t>
-            </a:r>
-            <a:r>
-              <a:rPr lang="cs-CZ" sz="2400" dirty="0" err="1"/>
-              <a:t>statusCode</a:t>
-            </a:r>
-            <a:r>
-              <a:rPr lang="en-US" sz="2400" dirty="0"/>
-              <a:t>)]</a:t>
-            </a:r>
-            <a:endParaRPr lang="cs-CZ" sz="2400" dirty="0"/>
+              <a:rPr lang="cs-CZ" b="1" dirty="0" err="1"/>
+              <a:t>First</a:t>
+            </a:r>
+            <a:endParaRPr lang="cs-CZ" b="1" dirty="0"/>
           </a:p>
         </p:txBody>
       </p:sp>
     </p:spTree>
     <p:extLst>
       <p:ext uri="{BB962C8B-B14F-4D97-AF65-F5344CB8AC3E}">
-        <p14:creationId xmlns:p14="http://schemas.microsoft.com/office/powerpoint/2010/main" val="3157864804"/>
+        <p14:creationId xmlns:p14="http://schemas.microsoft.com/office/powerpoint/2010/main" val="695319569"/>
       </p:ext>
     </p:extLst>
   </p:cSld>
@@ -7243,14 +8143,244 @@
         </p:nvSpPr>
         <p:spPr/>
         <p:txBody>
+          <a:bodyPr/>
+          <a:lstStyle/>
+          <a:p>
+            <a:r>
+              <a:rPr lang="cs-CZ" dirty="0"/>
+              <a:t>ASP.NET </a:t>
+            </a:r>
+            <a:r>
+              <a:rPr lang="cs-CZ" dirty="0" err="1"/>
+              <a:t>Core</a:t>
+            </a:r>
+            <a:r>
+              <a:rPr lang="cs-CZ" dirty="0"/>
+              <a:t> Konfigurace</a:t>
+            </a:r>
+          </a:p>
+        </p:txBody>
+      </p:sp>
+      <p:sp>
+        <p:nvSpPr>
+          <p:cNvPr id="5" name="Content Placeholder 4"/>
+          <p:cNvSpPr>
+            <a:spLocks noGrp="1"/>
+          </p:cNvSpPr>
+          <p:nvPr>
+            <p:ph idx="1"/>
+          </p:nvPr>
+        </p:nvSpPr>
+        <p:spPr/>
+        <p:txBody>
           <a:bodyPr>
-            <a:normAutofit/>
+            <a:normAutofit lnSpcReduction="10000"/>
           </a:bodyPr>
           <a:lstStyle/>
           <a:p>
             <a:r>
               <a:rPr lang="cs-CZ" dirty="0"/>
-              <a:t>Atributy</a:t>
+              <a:t>Nuget : </a:t>
+            </a:r>
+            <a:r>
+              <a:rPr lang="cs-CZ" dirty="0" err="1"/>
+              <a:t>Swashbuckle.AspNetCore</a:t>
+            </a:r>
+            <a:endParaRPr lang="cs-CZ" dirty="0"/>
+          </a:p>
+          <a:p>
+            <a:endParaRPr lang="cs-CZ" dirty="0"/>
+          </a:p>
+          <a:p>
+            <a:pPr marL="0" indent="0">
+              <a:buNone/>
+            </a:pPr>
+            <a:r>
+              <a:rPr lang="cs-CZ" dirty="0"/>
+              <a:t>1) </a:t>
+            </a:r>
+            <a:r>
+              <a:rPr lang="cs-CZ" dirty="0" err="1"/>
+              <a:t>Swagger</a:t>
+            </a:r>
+            <a:r>
+              <a:rPr lang="cs-CZ" dirty="0"/>
+              <a:t> </a:t>
+            </a:r>
+            <a:r>
+              <a:rPr lang="cs-CZ" dirty="0" err="1"/>
+              <a:t>Service</a:t>
+            </a:r>
+            <a:endParaRPr lang="cs-CZ" dirty="0"/>
+          </a:p>
+          <a:p>
+            <a:pPr marL="0" indent="0">
+              <a:buNone/>
+            </a:pPr>
+            <a:r>
+              <a:rPr lang="cs-CZ" sz="1800" dirty="0"/>
+              <a:t>       </a:t>
+            </a:r>
+            <a:r>
+              <a:rPr lang="cs-CZ" sz="1800" dirty="0" err="1"/>
+              <a:t>services.AddSwaggerGen</a:t>
+            </a:r>
+            <a:r>
+              <a:rPr lang="cs-CZ" sz="1800" dirty="0"/>
+              <a:t>(</a:t>
+            </a:r>
+            <a:r>
+              <a:rPr lang="cs-CZ" sz="1800" dirty="0" err="1"/>
+              <a:t>option</a:t>
+            </a:r>
+            <a:r>
+              <a:rPr lang="cs-CZ" sz="1800" dirty="0"/>
+              <a:t> =&gt;</a:t>
+            </a:r>
+          </a:p>
+          <a:p>
+            <a:pPr marL="0" indent="0">
+              <a:buNone/>
+            </a:pPr>
+            <a:r>
+              <a:rPr lang="cs-CZ" sz="1800" dirty="0"/>
+              <a:t>            {</a:t>
+            </a:r>
+          </a:p>
+          <a:p>
+            <a:pPr marL="0" indent="0">
+              <a:buNone/>
+            </a:pPr>
+            <a:r>
+              <a:rPr lang="en-US" sz="1800" dirty="0"/>
+              <a:t>                </a:t>
+            </a:r>
+            <a:r>
+              <a:rPr lang="en-US" sz="1800" dirty="0" err="1"/>
+              <a:t>option.SwaggerDoc</a:t>
+            </a:r>
+            <a:r>
+              <a:rPr lang="en-US" sz="1800" dirty="0"/>
+              <a:t>("v1", new Info { Title = "My API V1", Version = "v1" });</a:t>
+            </a:r>
+            <a:endParaRPr lang="cs-CZ" sz="1800" dirty="0"/>
+          </a:p>
+          <a:p>
+            <a:pPr marL="0" indent="0">
+              <a:buNone/>
+            </a:pPr>
+            <a:r>
+              <a:rPr lang="cs-CZ" sz="1800" dirty="0"/>
+              <a:t>	</a:t>
+            </a:r>
+            <a:r>
+              <a:rPr lang="cs-CZ" dirty="0"/>
+              <a:t> </a:t>
+            </a:r>
+            <a:r>
+              <a:rPr lang="cs-CZ" sz="1800" dirty="0"/>
+              <a:t>var </a:t>
+            </a:r>
+            <a:r>
+              <a:rPr lang="cs-CZ" sz="1800" dirty="0" err="1"/>
+              <a:t>basePath</a:t>
+            </a:r>
+            <a:r>
+              <a:rPr lang="cs-CZ" sz="1800" dirty="0"/>
+              <a:t> = </a:t>
+            </a:r>
+            <a:r>
+              <a:rPr lang="cs-CZ" sz="1800" dirty="0" err="1"/>
+              <a:t>PlatformServices.Default.Application.ApplicationBasePath</a:t>
+            </a:r>
+            <a:r>
+              <a:rPr lang="cs-CZ" sz="1800" dirty="0"/>
+              <a:t>;</a:t>
+            </a:r>
+          </a:p>
+          <a:p>
+            <a:pPr marL="0" indent="0">
+              <a:buNone/>
+            </a:pPr>
+            <a:r>
+              <a:rPr lang="cs-CZ" sz="1800" dirty="0"/>
+              <a:t>   </a:t>
+            </a:r>
+            <a:r>
+              <a:rPr lang="en-US" sz="1800" dirty="0"/>
+              <a:t>              </a:t>
+            </a:r>
+            <a:r>
+              <a:rPr lang="en-US" sz="1800" dirty="0" err="1"/>
+              <a:t>var</a:t>
+            </a:r>
+            <a:r>
+              <a:rPr lang="en-US" sz="1800" dirty="0"/>
+              <a:t> </a:t>
+            </a:r>
+            <a:r>
+              <a:rPr lang="en-US" sz="1800" dirty="0" err="1"/>
+              <a:t>xmlPath</a:t>
+            </a:r>
+            <a:r>
+              <a:rPr lang="en-US" sz="1800" dirty="0"/>
+              <a:t> = </a:t>
+            </a:r>
+            <a:r>
+              <a:rPr lang="en-US" sz="1800" dirty="0" err="1"/>
+              <a:t>Path.Combine</a:t>
+            </a:r>
+            <a:r>
+              <a:rPr lang="en-US" sz="1800" dirty="0"/>
+              <a:t>(</a:t>
+            </a:r>
+            <a:r>
+              <a:rPr lang="en-US" sz="1800" dirty="0" err="1"/>
+              <a:t>basePath</a:t>
+            </a:r>
+            <a:r>
+              <a:rPr lang="en-US" sz="1800" dirty="0"/>
+              <a:t>, "demo1.xml");</a:t>
+            </a:r>
+          </a:p>
+          <a:p>
+            <a:pPr marL="0" indent="0">
+              <a:buNone/>
+            </a:pPr>
+            <a:r>
+              <a:rPr lang="cs-CZ" sz="1800" dirty="0"/>
+              <a:t>                 </a:t>
+            </a:r>
+            <a:r>
+              <a:rPr lang="cs-CZ" sz="1800" dirty="0" err="1"/>
+              <a:t>options.IncludeXmlComments</a:t>
+            </a:r>
+            <a:r>
+              <a:rPr lang="cs-CZ" sz="1800" dirty="0"/>
+              <a:t>(</a:t>
+            </a:r>
+            <a:r>
+              <a:rPr lang="cs-CZ" sz="1800" dirty="0" err="1"/>
+              <a:t>xmlPath</a:t>
+            </a:r>
+            <a:r>
+              <a:rPr lang="cs-CZ" sz="1800" dirty="0"/>
+              <a:t>);</a:t>
+            </a:r>
+          </a:p>
+          <a:p>
+            <a:pPr marL="0" indent="0">
+              <a:buNone/>
+            </a:pPr>
+            <a:endParaRPr lang="en-US" sz="1800" dirty="0"/>
+          </a:p>
+          <a:p>
+            <a:pPr marL="0" indent="0">
+              <a:buNone/>
+            </a:pPr>
+            <a:r>
+              <a:rPr lang="cs-CZ" sz="1800" dirty="0"/>
+              <a:t>            });</a:t>
             </a:r>
           </a:p>
         </p:txBody>
@@ -7258,7 +8388,7 @@
     </p:spTree>
     <p:extLst>
       <p:ext uri="{BB962C8B-B14F-4D97-AF65-F5344CB8AC3E}">
-        <p14:creationId xmlns:p14="http://schemas.microsoft.com/office/powerpoint/2010/main" val="3694472103"/>
+        <p14:creationId xmlns:p14="http://schemas.microsoft.com/office/powerpoint/2010/main" val="74248659"/>
       </p:ext>
     </p:extLst>
   </p:cSld>
@@ -7340,199 +8470,125 @@
         <p:spPr/>
         <p:txBody>
           <a:bodyPr>
-            <a:normAutofit lnSpcReduction="10000"/>
+            <a:normAutofit/>
           </a:bodyPr>
           <a:lstStyle/>
           <a:p>
-            <a:r>
-              <a:rPr lang="cs-CZ" sz="2800" dirty="0" err="1"/>
-              <a:t>Swagger</a:t>
-            </a:r>
-            <a:r>
-              <a:rPr lang="cs-CZ" sz="2800" dirty="0"/>
-              <a:t> UI</a:t>
-            </a:r>
-          </a:p>
-          <a:p>
-            <a:pPr lvl="1"/>
-            <a:r>
-              <a:rPr lang="cs-CZ" sz="2400" dirty="0"/>
-              <a:t>Na nastavené URL (/</a:t>
-            </a:r>
-            <a:r>
-              <a:rPr lang="cs-CZ" sz="2400" dirty="0" err="1"/>
-              <a:t>swagger</a:t>
-            </a:r>
-            <a:r>
-              <a:rPr lang="cs-CZ" sz="2400" dirty="0"/>
-              <a:t>)</a:t>
-            </a:r>
-          </a:p>
-          <a:p>
-            <a:pPr lvl="1"/>
-            <a:r>
-              <a:rPr lang="cs-CZ" sz="2400" dirty="0"/>
-              <a:t>Možnost testování</a:t>
-            </a:r>
+            <a:pPr marL="0" indent="0">
+              <a:buNone/>
+            </a:pPr>
+            <a:r>
+              <a:rPr lang="cs-CZ" dirty="0"/>
+              <a:t>2) </a:t>
+            </a:r>
+            <a:r>
+              <a:rPr lang="cs-CZ" dirty="0" err="1"/>
+              <a:t>Middleware</a:t>
+            </a:r>
+            <a:endParaRPr lang="cs-CZ" dirty="0"/>
           </a:p>
           <a:p>
             <a:pPr marL="457200" lvl="1" indent="0">
               <a:buNone/>
             </a:pPr>
-            <a:endParaRPr lang="cs-CZ" sz="2400" dirty="0"/>
-          </a:p>
-          <a:p>
-            <a:r>
-              <a:rPr lang="cs-CZ" sz="2800" dirty="0" err="1"/>
-              <a:t>Swagger</a:t>
-            </a:r>
-            <a:r>
-              <a:rPr lang="cs-CZ" sz="2800" dirty="0"/>
-              <a:t> </a:t>
-            </a:r>
-            <a:r>
-              <a:rPr lang="cs-CZ" sz="2800" dirty="0" err="1"/>
-              <a:t>CodeGen</a:t>
-            </a:r>
-            <a:endParaRPr lang="cs-CZ" sz="2800" dirty="0"/>
-          </a:p>
-          <a:p>
-            <a:pPr lvl="1"/>
-            <a:r>
-              <a:rPr lang="cs-CZ" sz="2400" dirty="0" err="1"/>
-              <a:t>NSwagStudio</a:t>
-            </a:r>
-            <a:endParaRPr lang="cs-CZ" sz="2400" dirty="0"/>
-          </a:p>
-          <a:p>
-            <a:pPr lvl="1"/>
-            <a:r>
-              <a:rPr lang="cs-CZ" sz="2400" dirty="0"/>
-              <a:t>Online (</a:t>
-            </a:r>
-            <a:r>
-              <a:rPr lang="cs-CZ" sz="2400" dirty="0">
-                <a:hlinkClick r:id="rId2"/>
-              </a:rPr>
-              <a:t>https://generator.swagger.io/</a:t>
-            </a:r>
-            <a:r>
-              <a:rPr lang="cs-CZ" sz="2400" dirty="0"/>
-              <a:t>)</a:t>
-            </a:r>
-          </a:p>
-          <a:p>
-            <a:pPr marL="800100" lvl="2" indent="0">
+            <a:r>
+              <a:rPr lang="cs-CZ" sz="1800" dirty="0" err="1"/>
+              <a:t>app.UseSwagger</a:t>
+            </a:r>
+            <a:r>
+              <a:rPr lang="cs-CZ" sz="1800" dirty="0"/>
+              <a:t>();</a:t>
+            </a:r>
+          </a:p>
+          <a:p>
+            <a:pPr marL="0" indent="0">
               <a:buNone/>
             </a:pPr>
-            <a:r>
-              <a:rPr lang="en-US" sz="1200" dirty="0"/>
-              <a:t>{</a:t>
-            </a:r>
-          </a:p>
-          <a:p>
-            <a:pPr marL="800100" lvl="2" indent="0">
+            <a:endParaRPr lang="cs-CZ" dirty="0"/>
+          </a:p>
+          <a:p>
+            <a:pPr marL="0" indent="0">
               <a:buNone/>
             </a:pPr>
             <a:r>
-              <a:rPr lang="en-US" sz="1200" dirty="0"/>
-              <a:t>  "options": {</a:t>
-            </a:r>
-          </a:p>
-          <a:p>
-            <a:pPr marL="800100" lvl="2" indent="0">
+              <a:rPr lang="cs-CZ" dirty="0"/>
+              <a:t>3) </a:t>
+            </a:r>
+            <a:r>
+              <a:rPr lang="cs-CZ" dirty="0" err="1"/>
+              <a:t>Middleware</a:t>
+            </a:r>
+            <a:r>
+              <a:rPr lang="cs-CZ" dirty="0"/>
+              <a:t> pro UI</a:t>
+            </a:r>
+          </a:p>
+          <a:p>
+            <a:pPr marL="0" indent="0">
               <a:buNone/>
             </a:pPr>
             <a:r>
-              <a:rPr lang="en-US" sz="1200" dirty="0"/>
-              <a:t>    "</a:t>
-            </a:r>
-            <a:r>
-              <a:rPr lang="en-US" sz="1200" dirty="0" err="1"/>
-              <a:t>packageName</a:t>
-            </a:r>
-            <a:r>
-              <a:rPr lang="en-US" sz="1200" dirty="0"/>
-              <a:t>": „</a:t>
-            </a:r>
-            <a:r>
-              <a:rPr lang="cs-CZ" sz="1200" dirty="0" err="1"/>
-              <a:t>LibraryName</a:t>
-            </a:r>
-            <a:r>
-              <a:rPr lang="en-US" sz="1200" dirty="0"/>
-              <a:t>"</a:t>
-            </a:r>
-          </a:p>
-          <a:p>
-            <a:pPr marL="800100" lvl="2" indent="0">
+              <a:rPr lang="cs-CZ" sz="1900" dirty="0"/>
+              <a:t>      </a:t>
+            </a:r>
+            <a:r>
+              <a:rPr lang="cs-CZ" sz="1900" dirty="0" err="1"/>
+              <a:t>app.UseSwaggerUI</a:t>
+            </a:r>
+            <a:r>
+              <a:rPr lang="cs-CZ" sz="1900" dirty="0"/>
+              <a:t>(c =&gt;</a:t>
+            </a:r>
+          </a:p>
+          <a:p>
+            <a:pPr marL="0" indent="0">
               <a:buNone/>
             </a:pPr>
             <a:r>
-              <a:rPr lang="en-US" sz="1200" dirty="0"/>
-              <a:t>  },</a:t>
-            </a:r>
-          </a:p>
-          <a:p>
-            <a:pPr marL="800100" lvl="2" indent="0">
+              <a:rPr lang="cs-CZ" sz="1900" dirty="0"/>
+              <a:t>            {</a:t>
+            </a:r>
+          </a:p>
+          <a:p>
+            <a:pPr marL="0" indent="0">
               <a:buNone/>
             </a:pPr>
             <a:r>
-              <a:rPr lang="en-US" sz="1200" dirty="0"/>
-              <a:t>  "</a:t>
-            </a:r>
-            <a:r>
-              <a:rPr lang="en-US" sz="1200" dirty="0" err="1"/>
-              <a:t>swaggerUrl</a:t>
-            </a:r>
-            <a:r>
-              <a:rPr lang="en-US" sz="1200" dirty="0"/>
-              <a:t>": „</a:t>
-            </a:r>
-            <a:r>
-              <a:rPr lang="cs-CZ" sz="1200" dirty="0"/>
-              <a:t>URL ke </a:t>
-            </a:r>
-            <a:r>
-              <a:rPr lang="cs-CZ" sz="1200" dirty="0" err="1"/>
-              <a:t>swagger</a:t>
-            </a:r>
-            <a:r>
-              <a:rPr lang="cs-CZ" sz="1200" dirty="0"/>
-              <a:t> </a:t>
-            </a:r>
-            <a:r>
-              <a:rPr lang="cs-CZ" sz="1200" dirty="0" err="1"/>
-              <a:t>json</a:t>
-            </a:r>
-            <a:r>
-              <a:rPr lang="cs-CZ" sz="1200" dirty="0"/>
-              <a:t> specifikaci</a:t>
-            </a:r>
-            <a:r>
-              <a:rPr lang="en-US" sz="1200" dirty="0"/>
-              <a:t>"</a:t>
-            </a:r>
-          </a:p>
-          <a:p>
-            <a:pPr marL="800100" lvl="2" indent="0">
+              <a:rPr lang="en-US" sz="1900" dirty="0"/>
+              <a:t>                </a:t>
+            </a:r>
+            <a:r>
+              <a:rPr lang="en-US" sz="1900" dirty="0" err="1"/>
+              <a:t>c.SwaggerEndpoint</a:t>
+            </a:r>
+            <a:r>
+              <a:rPr lang="en-US" sz="1900" dirty="0"/>
+              <a:t>("/swagger/v1/</a:t>
+            </a:r>
+            <a:r>
+              <a:rPr lang="en-US" sz="1900" dirty="0" err="1"/>
+              <a:t>swagger.json</a:t>
+            </a:r>
+            <a:r>
+              <a:rPr lang="en-US" sz="1900" dirty="0"/>
+              <a:t>", "My API V1");</a:t>
+            </a:r>
+          </a:p>
+          <a:p>
+            <a:pPr marL="0" indent="0">
               <a:buNone/>
             </a:pPr>
             <a:r>
-              <a:rPr lang="en-US" sz="1200" dirty="0"/>
-              <a:t>}</a:t>
-            </a:r>
-          </a:p>
-          <a:p>
-            <a:pPr lvl="2"/>
-            <a:endParaRPr lang="cs-CZ" sz="2000" dirty="0"/>
+              <a:rPr lang="cs-CZ" sz="1900" dirty="0"/>
+              <a:t>            }); </a:t>
+            </a:r>
           </a:p>
         </p:txBody>
       </p:sp>
     </p:spTree>
     <p:extLst>
       <p:ext uri="{BB962C8B-B14F-4D97-AF65-F5344CB8AC3E}">
-        <p14:creationId xmlns:p14="http://schemas.microsoft.com/office/powerpoint/2010/main" val="2973574805"/>
+        <p14:creationId xmlns:p14="http://schemas.microsoft.com/office/powerpoint/2010/main" val="3860434300"/>
       </p:ext>
     </p:extLst>
   </p:cSld>
